--- a/Documentation/Bluff game.pptx
+++ b/Documentation/Bluff game.pptx
@@ -5,10 +5,10 @@
     <p:sldMasterId id="2147483660" r:id="rId4"/>
   </p:sldMasterIdLst>
   <p:notesMasterIdLst>
-    <p:notesMasterId r:id="rId19"/>
+    <p:notesMasterId r:id="rId25"/>
   </p:notesMasterIdLst>
   <p:handoutMasterIdLst>
-    <p:handoutMasterId r:id="rId20"/>
+    <p:handoutMasterId r:id="rId26"/>
   </p:handoutMasterIdLst>
   <p:sldIdLst>
     <p:sldId id="257" r:id="rId5"/>
@@ -24,7 +24,13 @@
     <p:sldId id="265" r:id="rId15"/>
     <p:sldId id="278" r:id="rId16"/>
     <p:sldId id="263" r:id="rId17"/>
-    <p:sldId id="271" r:id="rId18"/>
+    <p:sldId id="279" r:id="rId18"/>
+    <p:sldId id="281" r:id="rId19"/>
+    <p:sldId id="282" r:id="rId20"/>
+    <p:sldId id="283" r:id="rId21"/>
+    <p:sldId id="284" r:id="rId22"/>
+    <p:sldId id="285" r:id="rId23"/>
+    <p:sldId id="271" r:id="rId24"/>
   </p:sldIdLst>
   <p:sldSz cx="12188825" cy="6858000"/>
   <p:notesSz cx="6858000" cy="9144000"/>
@@ -337,7 +343,7 @@
           <a:p>
             <a:fld id="{FE5B4EDC-59C0-49C7-8ADA-5A781B329E02}" type="datetimeFigureOut">
               <a:rPr lang="en-US"/>
-              <a:t>5/8/2025</a:t>
+              <a:t>5/9/2025</a:t>
             </a:fld>
             <a:endParaRPr/>
           </a:p>
@@ -502,7 +508,7 @@
           <a:p>
             <a:fld id="{F2D8D46A-B586-417D-BFBD-8C8FE0AAF762}" type="datetimeFigureOut">
               <a:rPr lang="en-US"/>
-              <a:t>5/8/2025</a:t>
+              <a:t>5/9/2025</a:t>
             </a:fld>
             <a:endParaRPr/>
           </a:p>
@@ -1520,7 +1526,7 @@
           <a:p>
             <a:fld id="{F0DFD029-FB74-4578-B929-F66AA97659CA}" type="datetimeFigureOut">
               <a:rPr lang="en-US"/>
-              <a:t>5/8/2025</a:t>
+              <a:t>5/9/2025</a:t>
             </a:fld>
             <a:endParaRPr/>
           </a:p>
@@ -1718,7 +1724,7 @@
           <a:p>
             <a:fld id="{F0DFD029-FB74-4578-B929-F66AA97659CA}" type="datetimeFigureOut">
               <a:rPr lang="en-US"/>
-              <a:t>5/8/2025</a:t>
+              <a:t>5/9/2025</a:t>
             </a:fld>
             <a:endParaRPr/>
           </a:p>
@@ -1926,7 +1932,7 @@
           <a:p>
             <a:fld id="{F0DFD029-FB74-4578-B929-F66AA97659CA}" type="datetimeFigureOut">
               <a:rPr lang="en-US"/>
-              <a:t>5/8/2025</a:t>
+              <a:t>5/9/2025</a:t>
             </a:fld>
             <a:endParaRPr/>
           </a:p>
@@ -2124,7 +2130,7 @@
           <a:p>
             <a:fld id="{F0DFD029-FB74-4578-B929-F66AA97659CA}" type="datetimeFigureOut">
               <a:rPr lang="en-US"/>
-              <a:t>5/8/2025</a:t>
+              <a:t>5/9/2025</a:t>
             </a:fld>
             <a:endParaRPr/>
           </a:p>
@@ -2556,7 +2562,7 @@
           <a:p>
             <a:fld id="{F0DFD029-FB74-4578-B929-F66AA97659CA}" type="datetimeFigureOut">
               <a:rPr lang="en-US"/>
-              <a:t>5/8/2025</a:t>
+              <a:t>5/9/2025</a:t>
             </a:fld>
             <a:endParaRPr/>
           </a:p>
@@ -2860,7 +2866,7 @@
           <a:p>
             <a:fld id="{F0DFD029-FB74-4578-B929-F66AA97659CA}" type="datetimeFigureOut">
               <a:rPr lang="en-US"/>
-              <a:t>5/8/2025</a:t>
+              <a:t>5/9/2025</a:t>
             </a:fld>
             <a:endParaRPr/>
           </a:p>
@@ -3316,7 +3322,7 @@
           <a:p>
             <a:fld id="{F0DFD029-FB74-4578-B929-F66AA97659CA}" type="datetimeFigureOut">
               <a:rPr lang="en-US"/>
-              <a:t>5/8/2025</a:t>
+              <a:t>5/9/2025</a:t>
             </a:fld>
             <a:endParaRPr/>
           </a:p>
@@ -3446,7 +3452,7 @@
           <a:p>
             <a:fld id="{F0DFD029-FB74-4578-B929-F66AA97659CA}" type="datetimeFigureOut">
               <a:rPr lang="en-US"/>
-              <a:t>5/8/2025</a:t>
+              <a:t>5/9/2025</a:t>
             </a:fld>
             <a:endParaRPr/>
           </a:p>
@@ -3553,7 +3559,7 @@
           <a:p>
             <a:fld id="{F0DFD029-FB74-4578-B929-F66AA97659CA}" type="datetimeFigureOut">
               <a:rPr lang="en-US"/>
-              <a:t>5/8/2025</a:t>
+              <a:t>5/9/2025</a:t>
             </a:fld>
             <a:endParaRPr/>
           </a:p>
@@ -3852,7 +3858,7 @@
           <a:p>
             <a:fld id="{F0DFD029-FB74-4578-B929-F66AA97659CA}" type="datetimeFigureOut">
               <a:rPr lang="en-US"/>
-              <a:t>5/8/2025</a:t>
+              <a:t>5/9/2025</a:t>
             </a:fld>
             <a:endParaRPr/>
           </a:p>
@@ -4140,7 +4146,7 @@
           <a:p>
             <a:fld id="{F0DFD029-FB74-4578-B929-F66AA97659CA}" type="datetimeFigureOut">
               <a:rPr lang="en-US"/>
-              <a:t>5/8/2025</a:t>
+              <a:t>5/9/2025</a:t>
             </a:fld>
             <a:endParaRPr/>
           </a:p>
@@ -4763,7 +4769,7 @@
             <a:fld id="{F0DFD029-FB74-4578-B929-F66AA97659CA}" type="datetimeFigureOut">
               <a:rPr lang="en-US"/>
               <a:pPr/>
-              <a:t>5/8/2025</a:t>
+              <a:t>5/9/2025</a:t>
             </a:fld>
             <a:endParaRPr/>
           </a:p>
@@ -6405,7 +6411,13 @@
   <p:cSld>
     <p:spTree>
       <p:nvGrpSpPr>
-        <p:cNvPr id="1" name=""/>
+        <p:cNvPr id="1" name="">
+          <a:extLst>
+            <a:ext uri="{FF2B5EF4-FFF2-40B4-BE49-F238E27FC236}">
+              <a16:creationId xmlns:a16="http://schemas.microsoft.com/office/drawing/2014/main" id="{C4627170-6421-5B9C-D4B5-992E7F7CEBE3}"/>
+            </a:ext>
+          </a:extLst>
+        </p:cNvPr>
         <p:cNvGrpSpPr/>
         <p:nvPr/>
       </p:nvGrpSpPr>
@@ -6419,7 +6431,13 @@
       </p:grpSpPr>
       <p:sp>
         <p:nvSpPr>
-          <p:cNvPr id="2" name="Title 1"/>
+          <p:cNvPr id="4" name="Title 3">
+            <a:extLst>
+              <a:ext uri="{FF2B5EF4-FFF2-40B4-BE49-F238E27FC236}">
+                <a16:creationId xmlns:a16="http://schemas.microsoft.com/office/drawing/2014/main" id="{3371A26A-BC16-E7A7-0171-167B10C2170C}"/>
+              </a:ext>
+            </a:extLst>
+          </p:cNvPr>
           <p:cNvSpPr>
             <a:spLocks noGrp="1"/>
           </p:cNvSpPr>
@@ -6434,19 +6452,25 @@
           <a:p>
             <a:r>
               <a:rPr lang="en-US" dirty="0"/>
-              <a:t>Add a Slide Title - 4</a:t>
+              <a:t>Security Aspects Considered in Game Client</a:t>
             </a:r>
           </a:p>
         </p:txBody>
       </p:sp>
       <p:sp>
         <p:nvSpPr>
-          <p:cNvPr id="4" name="Text Placeholder 3"/>
+          <p:cNvPr id="5" name="Text Placeholder 4">
+            <a:extLst>
+              <a:ext uri="{FF2B5EF4-FFF2-40B4-BE49-F238E27FC236}">
+                <a16:creationId xmlns:a16="http://schemas.microsoft.com/office/drawing/2014/main" id="{BF218D39-8C8A-76F0-3F86-07CB3C5AF753}"/>
+              </a:ext>
+            </a:extLst>
+          </p:cNvPr>
           <p:cNvSpPr>
             <a:spLocks noGrp="1"/>
           </p:cNvSpPr>
           <p:nvPr>
-            <p:ph type="body" sz="half" idx="2"/>
+            <p:ph type="body" idx="1"/>
           </p:nvPr>
         </p:nvSpPr>
         <p:spPr/>
@@ -6454,18 +6478,81 @@
           <a:bodyPr/>
           <a:lstStyle/>
           <a:p>
+            <a:r>
+              <a:rPr lang="en-US" sz="2800" kern="100" dirty="0">
+                <a:effectLst/>
+                <a:latin typeface="Cambria" panose="02040503050406030204" pitchFamily="18" charset="0"/>
+                <a:ea typeface="Cambria" panose="02040503050406030204" pitchFamily="18" charset="0"/>
+                <a:cs typeface="Cambria" panose="02040503050406030204" pitchFamily="18" charset="0"/>
+              </a:rPr>
+              <a:t>MD SAKIB HASAN</a:t>
+            </a:r>
             <a:endParaRPr lang="en-US" dirty="0"/>
           </a:p>
         </p:txBody>
       </p:sp>
+    </p:spTree>
+    <p:extLst>
+      <p:ext uri="{BB962C8B-B14F-4D97-AF65-F5344CB8AC3E}">
+        <p14:creationId xmlns:p14="http://schemas.microsoft.com/office/powerpoint/2010/main" val="4152500528"/>
+      </p:ext>
+    </p:extLst>
+  </p:cSld>
+  <p:clrMapOvr>
+    <a:masterClrMapping/>
+  </p:clrMapOvr>
+  <mc:AlternateContent xmlns:mc="http://schemas.openxmlformats.org/markup-compatibility/2006">
+    <mc:Choice xmlns:p14="http://schemas.microsoft.com/office/powerpoint/2010/main" Requires="p14">
+      <p:transition spd="med" p14:dur="700">
+        <p:fade/>
+      </p:transition>
+    </mc:Choice>
+    <mc:Fallback>
+      <p:transition spd="med">
+        <p:fade/>
+      </p:transition>
+    </mc:Fallback>
+  </mc:AlternateContent>
+</p:sld>
+</file>
+
+<file path=ppt/slides/slide15.xml><?xml version="1.0" encoding="utf-8"?>
+<p:sld xmlns:a="http://schemas.openxmlformats.org/drawingml/2006/main" xmlns:r="http://schemas.openxmlformats.org/officeDocument/2006/relationships" xmlns:p="http://schemas.openxmlformats.org/presentationml/2006/main">
+  <p:cSld>
+    <p:spTree>
+      <p:nvGrpSpPr>
+        <p:cNvPr id="1" name="">
+          <a:extLst>
+            <a:ext uri="{FF2B5EF4-FFF2-40B4-BE49-F238E27FC236}">
+              <a16:creationId xmlns:a16="http://schemas.microsoft.com/office/drawing/2014/main" id="{DF46AA82-05E3-6F2B-5673-4C18172E5852}"/>
+            </a:ext>
+          </a:extLst>
+        </p:cNvPr>
+        <p:cNvGrpSpPr/>
+        <p:nvPr/>
+      </p:nvGrpSpPr>
+      <p:grpSpPr>
+        <a:xfrm>
+          <a:off x="0" y="0"/>
+          <a:ext cx="0" cy="0"/>
+          <a:chOff x="0" y="0"/>
+          <a:chExt cx="0" cy="0"/>
+        </a:xfrm>
+      </p:grpSpPr>
       <p:sp>
         <p:nvSpPr>
-          <p:cNvPr id="3" name="Content Placeholder 2"/>
+          <p:cNvPr id="7" name="Title 6">
+            <a:extLst>
+              <a:ext uri="{FF2B5EF4-FFF2-40B4-BE49-F238E27FC236}">
+                <a16:creationId xmlns:a16="http://schemas.microsoft.com/office/drawing/2014/main" id="{26F34F2B-D676-7B96-4859-0B8766B2D979}"/>
+              </a:ext>
+            </a:extLst>
+          </p:cNvPr>
           <p:cNvSpPr>
             <a:spLocks noGrp="1"/>
           </p:cNvSpPr>
           <p:nvPr>
-            <p:ph idx="1"/>
+            <p:ph type="title"/>
           </p:nvPr>
         </p:nvSpPr>
         <p:spPr/>
@@ -6473,27 +6560,869 @@
           <a:bodyPr/>
           <a:lstStyle/>
           <a:p>
+            <a:r>
+              <a:rPr lang="en-GB" dirty="0"/>
+              <a:t>Secure Locally Stored Credentials</a:t>
+            </a:r>
             <a:endParaRPr lang="en-US" dirty="0"/>
+          </a:p>
+        </p:txBody>
+      </p:sp>
+      <p:pic>
+        <p:nvPicPr>
+          <p:cNvPr id="6" name="Picture 5">
+            <a:extLst>
+              <a:ext uri="{FF2B5EF4-FFF2-40B4-BE49-F238E27FC236}">
+                <a16:creationId xmlns:a16="http://schemas.microsoft.com/office/drawing/2014/main" id="{C1F73D4D-0E8A-3C2F-95CB-41E176E4585F}"/>
+              </a:ext>
+            </a:extLst>
+          </p:cNvPr>
+          <p:cNvPicPr>
+            <a:picLocks noChangeAspect="1"/>
+          </p:cNvPicPr>
+          <p:nvPr/>
+        </p:nvPicPr>
+        <p:blipFill>
+          <a:blip r:embed="rId2">
+            <a:extLst>
+              <a:ext uri="{28A0092B-C50C-407E-A947-70E740481C1C}">
+                <a14:useLocalDpi xmlns:a14="http://schemas.microsoft.com/office/drawing/2010/main" val="0"/>
+              </a:ext>
+            </a:extLst>
+          </a:blip>
+          <a:stretch>
+            <a:fillRect/>
+          </a:stretch>
+        </p:blipFill>
+        <p:spPr>
+          <a:xfrm>
+            <a:off x="1561012" y="3133800"/>
+            <a:ext cx="4469701" cy="2881187"/>
+          </a:xfrm>
+          <a:prstGeom prst="rect">
+            <a:avLst/>
+          </a:prstGeom>
+        </p:spPr>
+      </p:pic>
+      <p:pic>
+        <p:nvPicPr>
+          <p:cNvPr id="9" name="Picture 8">
+            <a:extLst>
+              <a:ext uri="{FF2B5EF4-FFF2-40B4-BE49-F238E27FC236}">
+                <a16:creationId xmlns:a16="http://schemas.microsoft.com/office/drawing/2014/main" id="{196C177E-84E6-E42B-B866-06823F2EF1B5}"/>
+              </a:ext>
+            </a:extLst>
+          </p:cNvPr>
+          <p:cNvPicPr>
+            <a:picLocks noChangeAspect="1"/>
+          </p:cNvPicPr>
+          <p:nvPr/>
+        </p:nvPicPr>
+        <p:blipFill>
+          <a:blip r:embed="rId3">
+            <a:extLst>
+              <a:ext uri="{28A0092B-C50C-407E-A947-70E740481C1C}">
+                <a14:useLocalDpi xmlns:a14="http://schemas.microsoft.com/office/drawing/2010/main" val="0"/>
+              </a:ext>
+            </a:extLst>
+          </a:blip>
+          <a:stretch>
+            <a:fillRect/>
+          </a:stretch>
+        </p:blipFill>
+        <p:spPr>
+          <a:xfrm>
+            <a:off x="6158113" y="3144069"/>
+            <a:ext cx="4650300" cy="2881187"/>
+          </a:xfrm>
+          <a:prstGeom prst="rect">
+            <a:avLst/>
+          </a:prstGeom>
+        </p:spPr>
+      </p:pic>
+      <p:sp>
+        <p:nvSpPr>
+          <p:cNvPr id="13" name="TextBox 12">
+            <a:extLst>
+              <a:ext uri="{FF2B5EF4-FFF2-40B4-BE49-F238E27FC236}">
+                <a16:creationId xmlns:a16="http://schemas.microsoft.com/office/drawing/2014/main" id="{E154A449-827F-DB29-9A74-A683AB94F7E3}"/>
+              </a:ext>
+            </a:extLst>
+          </p:cNvPr>
+          <p:cNvSpPr txBox="1"/>
+          <p:nvPr/>
+        </p:nvSpPr>
+        <p:spPr>
+          <a:xfrm>
+            <a:off x="1218883" y="1844824"/>
+            <a:ext cx="5153960" cy="923330"/>
+          </a:xfrm>
+          <a:prstGeom prst="rect">
+            <a:avLst/>
+          </a:prstGeom>
+          <a:noFill/>
+        </p:spPr>
+        <p:txBody>
+          <a:bodyPr wrap="square" rtlCol="0">
+            <a:spAutoFit/>
+          </a:bodyPr>
+          <a:lstStyle/>
+          <a:p>
+            <a:pPr marL="285750" indent="-285750">
+              <a:buFont typeface="Arial" panose="020B0604020202020204" pitchFamily="34" charset="0"/>
+              <a:buChar char="•"/>
+            </a:pPr>
+            <a:r>
+              <a:rPr lang="en-US" sz="1800" dirty="0">
+                <a:effectLst/>
+                <a:latin typeface="Calibri" panose="020F0502020204030204" pitchFamily="34" charset="0"/>
+                <a:ea typeface="Aptos" panose="020B0004020202020204" pitchFamily="34" charset="0"/>
+              </a:rPr>
+              <a:t>Persistent login</a:t>
+            </a:r>
+          </a:p>
+          <a:p>
+            <a:pPr marL="285750" indent="-285750">
+              <a:buFont typeface="Arial" panose="020B0604020202020204" pitchFamily="34" charset="0"/>
+              <a:buChar char="•"/>
+            </a:pPr>
+            <a:r>
+              <a:rPr lang="en-US" sz="1800" dirty="0">
+                <a:effectLst/>
+                <a:latin typeface="Calibri" panose="020F0502020204030204" pitchFamily="34" charset="0"/>
+                <a:ea typeface="Aptos" panose="020B0004020202020204" pitchFamily="34" charset="0"/>
+              </a:rPr>
+              <a:t>Locally stored user credentials</a:t>
+            </a:r>
+          </a:p>
+          <a:p>
+            <a:pPr marL="285750" indent="-285750">
+              <a:buFont typeface="Arial" panose="020B0604020202020204" pitchFamily="34" charset="0"/>
+              <a:buChar char="•"/>
+            </a:pPr>
+            <a:r>
+              <a:rPr lang="en-US" sz="1800" dirty="0">
+                <a:latin typeface="Calibri" panose="020F0502020204030204" pitchFamily="34" charset="0"/>
+              </a:rPr>
+              <a:t>AES Encrypted</a:t>
+            </a:r>
+            <a:endParaRPr lang="en-US" sz="2800" dirty="0"/>
           </a:p>
         </p:txBody>
       </p:sp>
     </p:spTree>
     <p:extLst>
       <p:ext uri="{BB962C8B-B14F-4D97-AF65-F5344CB8AC3E}">
-        <p14:creationId xmlns:p14="http://schemas.microsoft.com/office/powerpoint/2010/main" val="2319046984"/>
+        <p14:creationId xmlns:p14="http://schemas.microsoft.com/office/powerpoint/2010/main" val="604516925"/>
       </p:ext>
     </p:extLst>
   </p:cSld>
   <p:clrMapOvr>
     <a:masterClrMapping/>
   </p:clrMapOvr>
-  <mc:AlternateContent xmlns:mc="http://schemas.openxmlformats.org/markup-compatibility/2006" xmlns:p14="http://schemas.microsoft.com/office/powerpoint/2010/main">
-    <mc:Choice Requires="p14">
+  <mc:AlternateContent xmlns:mc="http://schemas.openxmlformats.org/markup-compatibility/2006">
+    <mc:Choice xmlns:p14="http://schemas.microsoft.com/office/powerpoint/2010/main" Requires="p14">
       <p:transition spd="med" p14:dur="700">
         <p:fade/>
       </p:transition>
     </mc:Choice>
-    <mc:Fallback xmlns="">
+    <mc:Fallback>
+      <p:transition spd="med">
+        <p:fade/>
+      </p:transition>
+    </mc:Fallback>
+  </mc:AlternateContent>
+</p:sld>
+</file>
+
+<file path=ppt/slides/slide16.xml><?xml version="1.0" encoding="utf-8"?>
+<p:sld xmlns:a="http://schemas.openxmlformats.org/drawingml/2006/main" xmlns:r="http://schemas.openxmlformats.org/officeDocument/2006/relationships" xmlns:p="http://schemas.openxmlformats.org/presentationml/2006/main">
+  <p:cSld>
+    <p:spTree>
+      <p:nvGrpSpPr>
+        <p:cNvPr id="1" name="">
+          <a:extLst>
+            <a:ext uri="{FF2B5EF4-FFF2-40B4-BE49-F238E27FC236}">
+              <a16:creationId xmlns:a16="http://schemas.microsoft.com/office/drawing/2014/main" id="{86000E6D-9E24-94D5-6C9A-1B9A7C99F66D}"/>
+            </a:ext>
+          </a:extLst>
+        </p:cNvPr>
+        <p:cNvGrpSpPr/>
+        <p:nvPr/>
+      </p:nvGrpSpPr>
+      <p:grpSpPr>
+        <a:xfrm>
+          <a:off x="0" y="0"/>
+          <a:ext cx="0" cy="0"/>
+          <a:chOff x="0" y="0"/>
+          <a:chExt cx="0" cy="0"/>
+        </a:xfrm>
+      </p:grpSpPr>
+      <p:sp>
+        <p:nvSpPr>
+          <p:cNvPr id="7" name="Title 6">
+            <a:extLst>
+              <a:ext uri="{FF2B5EF4-FFF2-40B4-BE49-F238E27FC236}">
+                <a16:creationId xmlns:a16="http://schemas.microsoft.com/office/drawing/2014/main" id="{FAE442D7-F1B0-001D-DBCB-5586D1BA19D9}"/>
+              </a:ext>
+            </a:extLst>
+          </p:cNvPr>
+          <p:cNvSpPr>
+            <a:spLocks noGrp="1"/>
+          </p:cNvSpPr>
+          <p:nvPr>
+            <p:ph type="title"/>
+          </p:nvPr>
+        </p:nvSpPr>
+        <p:spPr/>
+        <p:txBody>
+          <a:bodyPr/>
+          <a:lstStyle/>
+          <a:p>
+            <a:r>
+              <a:rPr lang="en-GB" dirty="0"/>
+              <a:t>Secure Auth APIs</a:t>
+            </a:r>
+            <a:endParaRPr lang="en-US" dirty="0"/>
+          </a:p>
+        </p:txBody>
+      </p:sp>
+      <p:sp>
+        <p:nvSpPr>
+          <p:cNvPr id="13" name="TextBox 12">
+            <a:extLst>
+              <a:ext uri="{FF2B5EF4-FFF2-40B4-BE49-F238E27FC236}">
+                <a16:creationId xmlns:a16="http://schemas.microsoft.com/office/drawing/2014/main" id="{9003B13A-D939-CF36-A24F-87643034E42D}"/>
+              </a:ext>
+            </a:extLst>
+          </p:cNvPr>
+          <p:cNvSpPr txBox="1"/>
+          <p:nvPr/>
+        </p:nvSpPr>
+        <p:spPr>
+          <a:xfrm>
+            <a:off x="1218883" y="1845990"/>
+            <a:ext cx="4155449" cy="646331"/>
+          </a:xfrm>
+          <a:prstGeom prst="rect">
+            <a:avLst/>
+          </a:prstGeom>
+          <a:noFill/>
+        </p:spPr>
+        <p:txBody>
+          <a:bodyPr wrap="square" rtlCol="0">
+            <a:spAutoFit/>
+          </a:bodyPr>
+          <a:lstStyle/>
+          <a:p>
+            <a:pPr marL="285750" indent="-285750">
+              <a:buFont typeface="Arial" panose="020B0604020202020204" pitchFamily="34" charset="0"/>
+              <a:buChar char="•"/>
+            </a:pPr>
+            <a:r>
+              <a:rPr lang="en-US" sz="1800" dirty="0">
+                <a:effectLst/>
+                <a:latin typeface="Calibri" panose="020F0502020204030204" pitchFamily="34" charset="0"/>
+                <a:ea typeface="Aptos" panose="020B0004020202020204" pitchFamily="34" charset="0"/>
+              </a:rPr>
+              <a:t>Encrypted Sign In info</a:t>
+            </a:r>
+          </a:p>
+          <a:p>
+            <a:pPr marL="285750" indent="-285750">
+              <a:buFont typeface="Arial" panose="020B0604020202020204" pitchFamily="34" charset="0"/>
+              <a:buChar char="•"/>
+            </a:pPr>
+            <a:r>
+              <a:rPr lang="en-US" sz="1800" dirty="0">
+                <a:effectLst/>
+                <a:latin typeface="Calibri" panose="020F0502020204030204" pitchFamily="34" charset="0"/>
+                <a:ea typeface="Aptos" panose="020B0004020202020204" pitchFamily="34" charset="0"/>
+              </a:rPr>
+              <a:t>Encrypted Sign Up info</a:t>
+            </a:r>
+          </a:p>
+        </p:txBody>
+      </p:sp>
+      <p:pic>
+        <p:nvPicPr>
+          <p:cNvPr id="3" name="Picture 2">
+            <a:extLst>
+              <a:ext uri="{FF2B5EF4-FFF2-40B4-BE49-F238E27FC236}">
+                <a16:creationId xmlns:a16="http://schemas.microsoft.com/office/drawing/2014/main" id="{CE2DF391-57A9-3D11-819C-825AA0978456}"/>
+              </a:ext>
+            </a:extLst>
+          </p:cNvPr>
+          <p:cNvPicPr>
+            <a:picLocks noChangeAspect="1"/>
+          </p:cNvPicPr>
+          <p:nvPr/>
+        </p:nvPicPr>
+        <p:blipFill>
+          <a:blip r:embed="rId2"/>
+          <a:stretch>
+            <a:fillRect/>
+          </a:stretch>
+        </p:blipFill>
+        <p:spPr>
+          <a:xfrm>
+            <a:off x="5662364" y="3734122"/>
+            <a:ext cx="5734850" cy="2332386"/>
+          </a:xfrm>
+          <a:prstGeom prst="rect">
+            <a:avLst/>
+          </a:prstGeom>
+        </p:spPr>
+      </p:pic>
+      <p:pic>
+        <p:nvPicPr>
+          <p:cNvPr id="5" name="Picture 4">
+            <a:extLst>
+              <a:ext uri="{FF2B5EF4-FFF2-40B4-BE49-F238E27FC236}">
+                <a16:creationId xmlns:a16="http://schemas.microsoft.com/office/drawing/2014/main" id="{513A8603-50F9-A54B-B5AD-1C600AFCB5F4}"/>
+              </a:ext>
+            </a:extLst>
+          </p:cNvPr>
+          <p:cNvPicPr>
+            <a:picLocks noChangeAspect="1"/>
+          </p:cNvPicPr>
+          <p:nvPr/>
+        </p:nvPicPr>
+        <p:blipFill>
+          <a:blip r:embed="rId3">
+            <a:extLst>
+              <a:ext uri="{28A0092B-C50C-407E-A947-70E740481C1C}">
+                <a14:useLocalDpi xmlns:a14="http://schemas.microsoft.com/office/drawing/2010/main" val="0"/>
+              </a:ext>
+            </a:extLst>
+          </a:blip>
+          <a:stretch>
+            <a:fillRect/>
+          </a:stretch>
+        </p:blipFill>
+        <p:spPr>
+          <a:xfrm>
+            <a:off x="5662364" y="1844824"/>
+            <a:ext cx="5734850" cy="1762371"/>
+          </a:xfrm>
+          <a:prstGeom prst="rect">
+            <a:avLst/>
+          </a:prstGeom>
+        </p:spPr>
+      </p:pic>
+    </p:spTree>
+    <p:extLst>
+      <p:ext uri="{BB962C8B-B14F-4D97-AF65-F5344CB8AC3E}">
+        <p14:creationId xmlns:p14="http://schemas.microsoft.com/office/powerpoint/2010/main" val="2829625849"/>
+      </p:ext>
+    </p:extLst>
+  </p:cSld>
+  <p:clrMapOvr>
+    <a:masterClrMapping/>
+  </p:clrMapOvr>
+  <mc:AlternateContent xmlns:mc="http://schemas.openxmlformats.org/markup-compatibility/2006">
+    <mc:Choice xmlns:p14="http://schemas.microsoft.com/office/powerpoint/2010/main" Requires="p14">
+      <p:transition spd="med" p14:dur="700">
+        <p:fade/>
+      </p:transition>
+    </mc:Choice>
+    <mc:Fallback>
+      <p:transition spd="med">
+        <p:fade/>
+      </p:transition>
+    </mc:Fallback>
+  </mc:AlternateContent>
+</p:sld>
+</file>
+
+<file path=ppt/slides/slide17.xml><?xml version="1.0" encoding="utf-8"?>
+<p:sld xmlns:a="http://schemas.openxmlformats.org/drawingml/2006/main" xmlns:r="http://schemas.openxmlformats.org/officeDocument/2006/relationships" xmlns:p="http://schemas.openxmlformats.org/presentationml/2006/main">
+  <p:cSld>
+    <p:spTree>
+      <p:nvGrpSpPr>
+        <p:cNvPr id="1" name="">
+          <a:extLst>
+            <a:ext uri="{FF2B5EF4-FFF2-40B4-BE49-F238E27FC236}">
+              <a16:creationId xmlns:a16="http://schemas.microsoft.com/office/drawing/2014/main" id="{402481E0-830B-670F-05B7-C5DB6755467F}"/>
+            </a:ext>
+          </a:extLst>
+        </p:cNvPr>
+        <p:cNvGrpSpPr/>
+        <p:nvPr/>
+      </p:nvGrpSpPr>
+      <p:grpSpPr>
+        <a:xfrm>
+          <a:off x="0" y="0"/>
+          <a:ext cx="0" cy="0"/>
+          <a:chOff x="0" y="0"/>
+          <a:chExt cx="0" cy="0"/>
+        </a:xfrm>
+      </p:grpSpPr>
+      <p:sp>
+        <p:nvSpPr>
+          <p:cNvPr id="7" name="Title 6">
+            <a:extLst>
+              <a:ext uri="{FF2B5EF4-FFF2-40B4-BE49-F238E27FC236}">
+                <a16:creationId xmlns:a16="http://schemas.microsoft.com/office/drawing/2014/main" id="{2C04E6E5-72BE-ACF7-77DA-8F4F67761098}"/>
+              </a:ext>
+            </a:extLst>
+          </p:cNvPr>
+          <p:cNvSpPr>
+            <a:spLocks noGrp="1"/>
+          </p:cNvSpPr>
+          <p:nvPr>
+            <p:ph type="title"/>
+          </p:nvPr>
+        </p:nvSpPr>
+        <p:spPr/>
+        <p:txBody>
+          <a:bodyPr/>
+          <a:lstStyle/>
+          <a:p>
+            <a:r>
+              <a:rPr lang="en-GB" dirty="0"/>
+              <a:t>Preserve Game States</a:t>
+            </a:r>
+            <a:endParaRPr lang="en-US" dirty="0"/>
+          </a:p>
+        </p:txBody>
+      </p:sp>
+      <p:sp>
+        <p:nvSpPr>
+          <p:cNvPr id="13" name="TextBox 12">
+            <a:extLst>
+              <a:ext uri="{FF2B5EF4-FFF2-40B4-BE49-F238E27FC236}">
+                <a16:creationId xmlns:a16="http://schemas.microsoft.com/office/drawing/2014/main" id="{83D350DE-441A-A954-6156-701A9DBF3AFC}"/>
+              </a:ext>
+            </a:extLst>
+          </p:cNvPr>
+          <p:cNvSpPr txBox="1"/>
+          <p:nvPr/>
+        </p:nvSpPr>
+        <p:spPr>
+          <a:xfrm>
+            <a:off x="1218883" y="1844824"/>
+            <a:ext cx="5153960" cy="646331"/>
+          </a:xfrm>
+          <a:prstGeom prst="rect">
+            <a:avLst/>
+          </a:prstGeom>
+          <a:noFill/>
+        </p:spPr>
+        <p:txBody>
+          <a:bodyPr wrap="square" rtlCol="0">
+            <a:spAutoFit/>
+          </a:bodyPr>
+          <a:lstStyle/>
+          <a:p>
+            <a:pPr marL="285750" indent="-285750">
+              <a:buFont typeface="Arial" panose="020B0604020202020204" pitchFamily="34" charset="0"/>
+              <a:buChar char="•"/>
+            </a:pPr>
+            <a:r>
+              <a:rPr lang="en-US" sz="1800" dirty="0">
+                <a:effectLst/>
+                <a:latin typeface="Calibri" panose="020F0502020204030204" pitchFamily="34" charset="0"/>
+                <a:ea typeface="Aptos" panose="020B0004020202020204" pitchFamily="34" charset="0"/>
+              </a:rPr>
+              <a:t>Controlling availability of interactions</a:t>
+            </a:r>
+          </a:p>
+          <a:p>
+            <a:pPr marL="285750" indent="-285750">
+              <a:buFont typeface="Arial" panose="020B0604020202020204" pitchFamily="34" charset="0"/>
+              <a:buChar char="•"/>
+            </a:pPr>
+            <a:r>
+              <a:rPr lang="en-GB" sz="1800" dirty="0">
+                <a:effectLst/>
+                <a:latin typeface="Calibri" panose="020F0502020204030204" pitchFamily="34" charset="0"/>
+                <a:ea typeface="Aptos" panose="020B0004020202020204" pitchFamily="34" charset="0"/>
+              </a:rPr>
+              <a:t>Validating the requested actions in backend</a:t>
+            </a:r>
+            <a:endParaRPr lang="en-US" sz="1800" dirty="0">
+              <a:effectLst/>
+              <a:latin typeface="Calibri" panose="020F0502020204030204" pitchFamily="34" charset="0"/>
+              <a:ea typeface="Aptos" panose="020B0004020202020204" pitchFamily="34" charset="0"/>
+            </a:endParaRPr>
+          </a:p>
+        </p:txBody>
+      </p:sp>
+      <p:pic>
+        <p:nvPicPr>
+          <p:cNvPr id="2" name="Picture 1">
+            <a:extLst>
+              <a:ext uri="{FF2B5EF4-FFF2-40B4-BE49-F238E27FC236}">
+                <a16:creationId xmlns:a16="http://schemas.microsoft.com/office/drawing/2014/main" id="{24839A27-E6A1-52AB-AF44-49CB1FEAD513}"/>
+              </a:ext>
+            </a:extLst>
+          </p:cNvPr>
+          <p:cNvPicPr>
+            <a:picLocks noChangeAspect="1"/>
+          </p:cNvPicPr>
+          <p:nvPr/>
+        </p:nvPicPr>
+        <p:blipFill>
+          <a:blip r:embed="rId2"/>
+          <a:srcRect l="2773"/>
+          <a:stretch/>
+        </p:blipFill>
+        <p:spPr>
+          <a:xfrm>
+            <a:off x="1718613" y="3429000"/>
+            <a:ext cx="9361040" cy="3081250"/>
+          </a:xfrm>
+          <a:prstGeom prst="rect">
+            <a:avLst/>
+          </a:prstGeom>
+        </p:spPr>
+      </p:pic>
+    </p:spTree>
+    <p:extLst>
+      <p:ext uri="{BB962C8B-B14F-4D97-AF65-F5344CB8AC3E}">
+        <p14:creationId xmlns:p14="http://schemas.microsoft.com/office/powerpoint/2010/main" val="2134779016"/>
+      </p:ext>
+    </p:extLst>
+  </p:cSld>
+  <p:clrMapOvr>
+    <a:masterClrMapping/>
+  </p:clrMapOvr>
+  <mc:AlternateContent xmlns:mc="http://schemas.openxmlformats.org/markup-compatibility/2006">
+    <mc:Choice xmlns:p14="http://schemas.microsoft.com/office/powerpoint/2010/main" Requires="p14">
+      <p:transition spd="med" p14:dur="700">
+        <p:fade/>
+      </p:transition>
+    </mc:Choice>
+    <mc:Fallback>
+      <p:transition spd="med">
+        <p:fade/>
+      </p:transition>
+    </mc:Fallback>
+  </mc:AlternateContent>
+</p:sld>
+</file>
+
+<file path=ppt/slides/slide18.xml><?xml version="1.0" encoding="utf-8"?>
+<p:sld xmlns:a="http://schemas.openxmlformats.org/drawingml/2006/main" xmlns:r="http://schemas.openxmlformats.org/officeDocument/2006/relationships" xmlns:p="http://schemas.openxmlformats.org/presentationml/2006/main">
+  <p:cSld>
+    <p:spTree>
+      <p:nvGrpSpPr>
+        <p:cNvPr id="1" name="">
+          <a:extLst>
+            <a:ext uri="{FF2B5EF4-FFF2-40B4-BE49-F238E27FC236}">
+              <a16:creationId xmlns:a16="http://schemas.microsoft.com/office/drawing/2014/main" id="{5C2B3D0F-31C7-2067-479C-519B1F367BB1}"/>
+            </a:ext>
+          </a:extLst>
+        </p:cNvPr>
+        <p:cNvGrpSpPr/>
+        <p:nvPr/>
+      </p:nvGrpSpPr>
+      <p:grpSpPr>
+        <a:xfrm>
+          <a:off x="0" y="0"/>
+          <a:ext cx="0" cy="0"/>
+          <a:chOff x="0" y="0"/>
+          <a:chExt cx="0" cy="0"/>
+        </a:xfrm>
+      </p:grpSpPr>
+      <p:sp>
+        <p:nvSpPr>
+          <p:cNvPr id="7" name="Title 6">
+            <a:extLst>
+              <a:ext uri="{FF2B5EF4-FFF2-40B4-BE49-F238E27FC236}">
+                <a16:creationId xmlns:a16="http://schemas.microsoft.com/office/drawing/2014/main" id="{8C082B4C-C617-E176-C52B-3DC448A5EFB9}"/>
+              </a:ext>
+            </a:extLst>
+          </p:cNvPr>
+          <p:cNvSpPr>
+            <a:spLocks noGrp="1"/>
+          </p:cNvSpPr>
+          <p:nvPr>
+            <p:ph type="title"/>
+          </p:nvPr>
+        </p:nvSpPr>
+        <p:spPr/>
+        <p:txBody>
+          <a:bodyPr/>
+          <a:lstStyle/>
+          <a:p>
+            <a:r>
+              <a:rPr lang="en-GB" dirty="0"/>
+              <a:t>Anti Cheat</a:t>
+            </a:r>
+            <a:endParaRPr lang="en-US" dirty="0"/>
+          </a:p>
+        </p:txBody>
+      </p:sp>
+      <p:sp>
+        <p:nvSpPr>
+          <p:cNvPr id="13" name="TextBox 12">
+            <a:extLst>
+              <a:ext uri="{FF2B5EF4-FFF2-40B4-BE49-F238E27FC236}">
+                <a16:creationId xmlns:a16="http://schemas.microsoft.com/office/drawing/2014/main" id="{77083014-A943-BDA5-B5ED-4674F06D261F}"/>
+              </a:ext>
+            </a:extLst>
+          </p:cNvPr>
+          <p:cNvSpPr txBox="1"/>
+          <p:nvPr/>
+        </p:nvSpPr>
+        <p:spPr>
+          <a:xfrm>
+            <a:off x="1218883" y="1844824"/>
+            <a:ext cx="3579385" cy="646331"/>
+          </a:xfrm>
+          <a:prstGeom prst="rect">
+            <a:avLst/>
+          </a:prstGeom>
+          <a:noFill/>
+        </p:spPr>
+        <p:txBody>
+          <a:bodyPr wrap="square" rtlCol="0">
+            <a:spAutoFit/>
+          </a:bodyPr>
+          <a:lstStyle/>
+          <a:p>
+            <a:pPr marL="285750" indent="-285750">
+              <a:buFont typeface="Arial" panose="020B0604020202020204" pitchFamily="34" charset="0"/>
+              <a:buChar char="•"/>
+            </a:pPr>
+            <a:r>
+              <a:rPr lang="en-GB" sz="1800" dirty="0">
+                <a:effectLst/>
+                <a:latin typeface="Calibri" panose="020F0502020204030204" pitchFamily="34" charset="0"/>
+                <a:ea typeface="Aptos" panose="020B0004020202020204" pitchFamily="34" charset="0"/>
+              </a:rPr>
+              <a:t>Dice-rolling logic on server</a:t>
+            </a:r>
+          </a:p>
+          <a:p>
+            <a:pPr marL="285750" indent="-285750">
+              <a:buFont typeface="Arial" panose="020B0604020202020204" pitchFamily="34" charset="0"/>
+              <a:buChar char="•"/>
+            </a:pPr>
+            <a:r>
+              <a:rPr lang="en-GB" sz="1800" dirty="0">
+                <a:latin typeface="Calibri" panose="020F0502020204030204" pitchFamily="34" charset="0"/>
+                <a:ea typeface="Aptos" panose="020B0004020202020204" pitchFamily="34" charset="0"/>
+              </a:rPr>
+              <a:t>Role management</a:t>
+            </a:r>
+            <a:endParaRPr lang="en-US" sz="1800" dirty="0">
+              <a:effectLst/>
+              <a:latin typeface="Calibri" panose="020F0502020204030204" pitchFamily="34" charset="0"/>
+              <a:ea typeface="Aptos" panose="020B0004020202020204" pitchFamily="34" charset="0"/>
+            </a:endParaRPr>
+          </a:p>
+        </p:txBody>
+      </p:sp>
+      <p:pic>
+        <p:nvPicPr>
+          <p:cNvPr id="3" name="Picture 2">
+            <a:extLst>
+              <a:ext uri="{FF2B5EF4-FFF2-40B4-BE49-F238E27FC236}">
+                <a16:creationId xmlns:a16="http://schemas.microsoft.com/office/drawing/2014/main" id="{2B097E41-8F77-A0CE-2461-A18D67AAB213}"/>
+              </a:ext>
+            </a:extLst>
+          </p:cNvPr>
+          <p:cNvPicPr>
+            <a:picLocks noChangeAspect="1"/>
+          </p:cNvPicPr>
+          <p:nvPr/>
+        </p:nvPicPr>
+        <p:blipFill>
+          <a:blip r:embed="rId2"/>
+          <a:stretch>
+            <a:fillRect/>
+          </a:stretch>
+        </p:blipFill>
+        <p:spPr>
+          <a:xfrm>
+            <a:off x="5070226" y="1844824"/>
+            <a:ext cx="6493084" cy="3910525"/>
+          </a:xfrm>
+          <a:prstGeom prst="rect">
+            <a:avLst/>
+          </a:prstGeom>
+        </p:spPr>
+      </p:pic>
+    </p:spTree>
+    <p:extLst>
+      <p:ext uri="{BB962C8B-B14F-4D97-AF65-F5344CB8AC3E}">
+        <p14:creationId xmlns:p14="http://schemas.microsoft.com/office/powerpoint/2010/main" val="4033389881"/>
+      </p:ext>
+    </p:extLst>
+  </p:cSld>
+  <p:clrMapOvr>
+    <a:masterClrMapping/>
+  </p:clrMapOvr>
+  <mc:AlternateContent xmlns:mc="http://schemas.openxmlformats.org/markup-compatibility/2006">
+    <mc:Choice xmlns:p14="http://schemas.microsoft.com/office/powerpoint/2010/main" Requires="p14">
+      <p:transition spd="med" p14:dur="700">
+        <p:fade/>
+      </p:transition>
+    </mc:Choice>
+    <mc:Fallback>
+      <p:transition spd="med">
+        <p:fade/>
+      </p:transition>
+    </mc:Fallback>
+  </mc:AlternateContent>
+</p:sld>
+</file>
+
+<file path=ppt/slides/slide19.xml><?xml version="1.0" encoding="utf-8"?>
+<p:sld xmlns:a="http://schemas.openxmlformats.org/drawingml/2006/main" xmlns:r="http://schemas.openxmlformats.org/officeDocument/2006/relationships" xmlns:p="http://schemas.openxmlformats.org/presentationml/2006/main">
+  <p:cSld>
+    <p:spTree>
+      <p:nvGrpSpPr>
+        <p:cNvPr id="1" name="">
+          <a:extLst>
+            <a:ext uri="{FF2B5EF4-FFF2-40B4-BE49-F238E27FC236}">
+              <a16:creationId xmlns:a16="http://schemas.microsoft.com/office/drawing/2014/main" id="{F4820F09-38E8-992A-C5A6-9CA87320647F}"/>
+            </a:ext>
+          </a:extLst>
+        </p:cNvPr>
+        <p:cNvGrpSpPr/>
+        <p:nvPr/>
+      </p:nvGrpSpPr>
+      <p:grpSpPr>
+        <a:xfrm>
+          <a:off x="0" y="0"/>
+          <a:ext cx="0" cy="0"/>
+          <a:chOff x="0" y="0"/>
+          <a:chExt cx="0" cy="0"/>
+        </a:xfrm>
+      </p:grpSpPr>
+      <p:sp>
+        <p:nvSpPr>
+          <p:cNvPr id="7" name="Title 6">
+            <a:extLst>
+              <a:ext uri="{FF2B5EF4-FFF2-40B4-BE49-F238E27FC236}">
+                <a16:creationId xmlns:a16="http://schemas.microsoft.com/office/drawing/2014/main" id="{FB0B8CDF-A9E6-9613-094A-D20284CD7C6E}"/>
+              </a:ext>
+            </a:extLst>
+          </p:cNvPr>
+          <p:cNvSpPr>
+            <a:spLocks noGrp="1"/>
+          </p:cNvSpPr>
+          <p:nvPr>
+            <p:ph type="title"/>
+          </p:nvPr>
+        </p:nvSpPr>
+        <p:spPr/>
+        <p:txBody>
+          <a:bodyPr/>
+          <a:lstStyle/>
+          <a:p>
+            <a:r>
+              <a:rPr lang="en-GB" dirty="0"/>
+              <a:t>Prevent Statistics Data Manipulation</a:t>
+            </a:r>
+            <a:endParaRPr lang="en-US" dirty="0"/>
+          </a:p>
+        </p:txBody>
+      </p:sp>
+      <p:sp>
+        <p:nvSpPr>
+          <p:cNvPr id="13" name="TextBox 12">
+            <a:extLst>
+              <a:ext uri="{FF2B5EF4-FFF2-40B4-BE49-F238E27FC236}">
+                <a16:creationId xmlns:a16="http://schemas.microsoft.com/office/drawing/2014/main" id="{655C6637-0013-6F24-2A78-E53B2C970331}"/>
+              </a:ext>
+            </a:extLst>
+          </p:cNvPr>
+          <p:cNvSpPr txBox="1"/>
+          <p:nvPr/>
+        </p:nvSpPr>
+        <p:spPr>
+          <a:xfrm>
+            <a:off x="1218883" y="1844824"/>
+            <a:ext cx="4155449" cy="1200329"/>
+          </a:xfrm>
+          <a:prstGeom prst="rect">
+            <a:avLst/>
+          </a:prstGeom>
+          <a:noFill/>
+        </p:spPr>
+        <p:txBody>
+          <a:bodyPr wrap="square" rtlCol="0">
+            <a:spAutoFit/>
+          </a:bodyPr>
+          <a:lstStyle/>
+          <a:p>
+            <a:pPr marL="285750" indent="-285750">
+              <a:buFont typeface="Arial" panose="020B0604020202020204" pitchFamily="34" charset="0"/>
+              <a:buChar char="•"/>
+            </a:pPr>
+            <a:r>
+              <a:rPr lang="en-GB" sz="1800" dirty="0">
+                <a:effectLst/>
+                <a:latin typeface="Calibri" panose="020F0502020204030204" pitchFamily="34" charset="0"/>
+                <a:ea typeface="Aptos" panose="020B0004020202020204" pitchFamily="34" charset="0"/>
+              </a:rPr>
+              <a:t>Game service detects game over</a:t>
+            </a:r>
+            <a:r>
+              <a:rPr lang="en-GB" sz="1800" dirty="0">
+                <a:latin typeface="Calibri" panose="020F0502020204030204" pitchFamily="34" charset="0"/>
+                <a:ea typeface="Aptos" panose="020B0004020202020204" pitchFamily="34" charset="0"/>
+              </a:rPr>
+              <a:t> </a:t>
+            </a:r>
+          </a:p>
+          <a:p>
+            <a:pPr marL="285750" indent="-285750">
+              <a:buFont typeface="Arial" panose="020B0604020202020204" pitchFamily="34" charset="0"/>
+              <a:buChar char="•"/>
+            </a:pPr>
+            <a:r>
+              <a:rPr lang="en-GB" sz="1800" dirty="0">
+                <a:effectLst/>
+                <a:latin typeface="Calibri" panose="020F0502020204030204" pitchFamily="34" charset="0"/>
+                <a:ea typeface="Aptos" panose="020B0004020202020204" pitchFamily="34" charset="0"/>
+              </a:rPr>
+              <a:t>Update or stores last match’s data</a:t>
+            </a:r>
+          </a:p>
+          <a:p>
+            <a:pPr marL="285750" indent="-285750">
+              <a:buFont typeface="Arial" panose="020B0604020202020204" pitchFamily="34" charset="0"/>
+              <a:buChar char="•"/>
+            </a:pPr>
+            <a:r>
+              <a:rPr lang="en-GB" sz="1800" dirty="0">
+                <a:effectLst/>
+                <a:latin typeface="Calibri" panose="020F0502020204030204" pitchFamily="34" charset="0"/>
+                <a:ea typeface="Aptos" panose="020B0004020202020204" pitchFamily="34" charset="0"/>
+              </a:rPr>
+              <a:t>By design prevents any statistics related data manipulation</a:t>
+            </a:r>
+            <a:endParaRPr lang="en-US" sz="1800" dirty="0">
+              <a:effectLst/>
+              <a:latin typeface="Calibri" panose="020F0502020204030204" pitchFamily="34" charset="0"/>
+              <a:ea typeface="Aptos" panose="020B0004020202020204" pitchFamily="34" charset="0"/>
+            </a:endParaRPr>
+          </a:p>
+        </p:txBody>
+      </p:sp>
+    </p:spTree>
+    <p:extLst>
+      <p:ext uri="{BB962C8B-B14F-4D97-AF65-F5344CB8AC3E}">
+        <p14:creationId xmlns:p14="http://schemas.microsoft.com/office/powerpoint/2010/main" val="1025994953"/>
+      </p:ext>
+    </p:extLst>
+  </p:cSld>
+  <p:clrMapOvr>
+    <a:masterClrMapping/>
+  </p:clrMapOvr>
+  <mc:AlternateContent xmlns:mc="http://schemas.openxmlformats.org/markup-compatibility/2006">
+    <mc:Choice xmlns:p14="http://schemas.microsoft.com/office/powerpoint/2010/main" Requires="p14">
+      <p:transition spd="med" p14:dur="700">
+        <p:fade/>
+      </p:transition>
+    </mc:Choice>
+    <mc:Fallback>
       <p:transition spd="med">
         <p:fade/>
       </p:transition>
@@ -6581,7 +7510,7 @@
           <a:p>
             <a:r>
               <a:rPr lang="en-US" dirty="0"/>
-              <a:t>Security Aspects Considered in Game</a:t>
+              <a:t>Security Aspects Considered in Game Client</a:t>
             </a:r>
           </a:p>
           <a:p>
@@ -6593,6 +7522,108 @@
     <p:extLst>
       <p:ext uri="{BB962C8B-B14F-4D97-AF65-F5344CB8AC3E}">
         <p14:creationId xmlns:p14="http://schemas.microsoft.com/office/powerpoint/2010/main" val="3529114326"/>
+      </p:ext>
+    </p:extLst>
+  </p:cSld>
+  <p:clrMapOvr>
+    <a:masterClrMapping/>
+  </p:clrMapOvr>
+  <mc:AlternateContent xmlns:mc="http://schemas.openxmlformats.org/markup-compatibility/2006" xmlns:p14="http://schemas.microsoft.com/office/powerpoint/2010/main">
+    <mc:Choice Requires="p14">
+      <p:transition spd="med" p14:dur="700">
+        <p:fade/>
+      </p:transition>
+    </mc:Choice>
+    <mc:Fallback xmlns="">
+      <p:transition spd="med">
+        <p:fade/>
+      </p:transition>
+    </mc:Fallback>
+  </mc:AlternateContent>
+</p:sld>
+</file>
+
+<file path=ppt/slides/slide20.xml><?xml version="1.0" encoding="utf-8"?>
+<p:sld xmlns:a="http://schemas.openxmlformats.org/drawingml/2006/main" xmlns:r="http://schemas.openxmlformats.org/officeDocument/2006/relationships" xmlns:p="http://schemas.openxmlformats.org/presentationml/2006/main">
+  <p:cSld>
+    <p:spTree>
+      <p:nvGrpSpPr>
+        <p:cNvPr id="1" name=""/>
+        <p:cNvGrpSpPr/>
+        <p:nvPr/>
+      </p:nvGrpSpPr>
+      <p:grpSpPr>
+        <a:xfrm>
+          <a:off x="0" y="0"/>
+          <a:ext cx="0" cy="0"/>
+          <a:chOff x="0" y="0"/>
+          <a:chExt cx="0" cy="0"/>
+        </a:xfrm>
+      </p:grpSpPr>
+      <p:sp>
+        <p:nvSpPr>
+          <p:cNvPr id="2" name="Title 1"/>
+          <p:cNvSpPr>
+            <a:spLocks noGrp="1"/>
+          </p:cNvSpPr>
+          <p:nvPr>
+            <p:ph type="title"/>
+          </p:nvPr>
+        </p:nvSpPr>
+        <p:spPr/>
+        <p:txBody>
+          <a:bodyPr/>
+          <a:lstStyle/>
+          <a:p>
+            <a:r>
+              <a:rPr lang="en-US" dirty="0"/>
+              <a:t>Add a Slide Title - 4</a:t>
+            </a:r>
+          </a:p>
+        </p:txBody>
+      </p:sp>
+      <p:sp>
+        <p:nvSpPr>
+          <p:cNvPr id="4" name="Text Placeholder 3"/>
+          <p:cNvSpPr>
+            <a:spLocks noGrp="1"/>
+          </p:cNvSpPr>
+          <p:nvPr>
+            <p:ph type="body" sz="half" idx="2"/>
+          </p:nvPr>
+        </p:nvSpPr>
+        <p:spPr/>
+        <p:txBody>
+          <a:bodyPr/>
+          <a:lstStyle/>
+          <a:p>
+            <a:endParaRPr lang="en-US" dirty="0"/>
+          </a:p>
+        </p:txBody>
+      </p:sp>
+      <p:sp>
+        <p:nvSpPr>
+          <p:cNvPr id="3" name="Content Placeholder 2"/>
+          <p:cNvSpPr>
+            <a:spLocks noGrp="1"/>
+          </p:cNvSpPr>
+          <p:nvPr>
+            <p:ph idx="1"/>
+          </p:nvPr>
+        </p:nvSpPr>
+        <p:spPr/>
+        <p:txBody>
+          <a:bodyPr/>
+          <a:lstStyle/>
+          <a:p>
+            <a:endParaRPr lang="en-US" dirty="0"/>
+          </a:p>
+        </p:txBody>
+      </p:sp>
+    </p:spTree>
+    <p:extLst>
+      <p:ext uri="{BB962C8B-B14F-4D97-AF65-F5344CB8AC3E}">
+        <p14:creationId xmlns:p14="http://schemas.microsoft.com/office/powerpoint/2010/main" val="2319046984"/>
       </p:ext>
     </p:extLst>
   </p:cSld>
@@ -6650,34 +7681,6 @@
               <a:rPr lang="en-US" dirty="0"/>
               <a:t>Demo</a:t>
             </a:r>
-          </a:p>
-        </p:txBody>
-      </p:sp>
-      <p:sp>
-        <p:nvSpPr>
-          <p:cNvPr id="5" name="Text Placeholder 4"/>
-          <p:cNvSpPr>
-            <a:spLocks noGrp="1"/>
-          </p:cNvSpPr>
-          <p:nvPr>
-            <p:ph type="body" idx="1"/>
-          </p:nvPr>
-        </p:nvSpPr>
-        <p:spPr/>
-        <p:txBody>
-          <a:bodyPr/>
-          <a:lstStyle/>
-          <a:p>
-            <a:r>
-              <a:rPr lang="en-US" sz="2800" kern="100" dirty="0">
-                <a:effectLst/>
-                <a:latin typeface="Cambria" panose="02040503050406030204" pitchFamily="18" charset="0"/>
-                <a:ea typeface="Cambria" panose="02040503050406030204" pitchFamily="18" charset="0"/>
-                <a:cs typeface="Cambria" panose="02040503050406030204" pitchFamily="18" charset="0"/>
-              </a:rPr>
-              <a:t>Md Sakib Hasan</a:t>
-            </a:r>
-            <a:endParaRPr lang="en-US" dirty="0"/>
           </a:p>
         </p:txBody>
       </p:sp>
@@ -10696,151 +11699,6 @@
 </file>
 
 <file path=customXml/item1.xml><?xml version="1.0" encoding="utf-8"?>
-<?mso-contentType ?>
-<FormTemplates xmlns="http://schemas.microsoft.com/sharepoint/v3/contenttype/forms">
-  <Display>DocumentLibraryForm</Display>
-  <Edit>AssetEditForm</Edit>
-  <New>DocumentLibraryForm</New>
-</FormTemplates>
-</file>
-
-<file path=customXml/item2.xml><?xml version="1.0" encoding="utf-8"?>
-<p:properties xmlns:p="http://schemas.microsoft.com/office/2006/metadata/properties" xmlns:xsi="http://www.w3.org/2001/XMLSchema-instance" xmlns:pc="http://schemas.microsoft.com/office/infopath/2007/PartnerControls">
-  <documentManagement>
-    <LocPublishedLinkedAssetsLookup xmlns="4873beb7-5857-4685-be1f-d57550cc96cc" xsi:nil="true"/>
-    <ApprovalStatus xmlns="4873beb7-5857-4685-be1f-d57550cc96cc">InProgress</ApprovalStatus>
-    <MarketSpecific xmlns="4873beb7-5857-4685-be1f-d57550cc96cc">false</MarketSpecific>
-    <LocComments xmlns="4873beb7-5857-4685-be1f-d57550cc96cc" xsi:nil="true"/>
-    <LocLastLocAttemptVersionTypeLookup xmlns="4873beb7-5857-4685-be1f-d57550cc96cc" xsi:nil="true"/>
-    <DirectSourceMarket xmlns="4873beb7-5857-4685-be1f-d57550cc96cc" xsi:nil="true"/>
-    <ThumbnailAssetId xmlns="4873beb7-5857-4685-be1f-d57550cc96cc" xsi:nil="true"/>
-    <PrimaryImageGen xmlns="4873beb7-5857-4685-be1f-d57550cc96cc">false</PrimaryImageGen>
-    <LocNewPublishedVersionLookup xmlns="4873beb7-5857-4685-be1f-d57550cc96cc" xsi:nil="true"/>
-    <LegacyData xmlns="4873beb7-5857-4685-be1f-d57550cc96cc" xsi:nil="true"/>
-    <LocRecommendedHandoff xmlns="4873beb7-5857-4685-be1f-d57550cc96cc" xsi:nil="true"/>
-    <BusinessGroup xmlns="4873beb7-5857-4685-be1f-d57550cc96cc" xsi:nil="true"/>
-    <BlockPublish xmlns="4873beb7-5857-4685-be1f-d57550cc96cc">false</BlockPublish>
-    <TPFriendlyName xmlns="4873beb7-5857-4685-be1f-d57550cc96cc" xsi:nil="true"/>
-    <LocOverallPublishStatusLookup xmlns="4873beb7-5857-4685-be1f-d57550cc96cc" xsi:nil="true"/>
-    <NumericId xmlns="4873beb7-5857-4685-be1f-d57550cc96cc" xsi:nil="true"/>
-    <APEditor xmlns="4873beb7-5857-4685-be1f-d57550cc96cc">
-      <UserInfo>
-        <DisplayName/>
-        <AccountId xsi:nil="true"/>
-        <AccountType/>
-      </UserInfo>
-    </APEditor>
-    <SourceTitle xmlns="4873beb7-5857-4685-be1f-d57550cc96cc" xsi:nil="true"/>
-    <OpenTemplate xmlns="4873beb7-5857-4685-be1f-d57550cc96cc">true</OpenTemplate>
-    <LocOverallLocStatusLookup xmlns="4873beb7-5857-4685-be1f-d57550cc96cc" xsi:nil="true"/>
-    <UALocComments xmlns="4873beb7-5857-4685-be1f-d57550cc96cc" xsi:nil="true"/>
-    <ParentAssetId xmlns="4873beb7-5857-4685-be1f-d57550cc96cc" xsi:nil="true"/>
-    <IntlLangReviewDate xmlns="4873beb7-5857-4685-be1f-d57550cc96cc" xsi:nil="true"/>
-    <FeatureTagsTaxHTField0 xmlns="4873beb7-5857-4685-be1f-d57550cc96cc">
-      <Terms xmlns="http://schemas.microsoft.com/office/infopath/2007/PartnerControls"/>
-    </FeatureTagsTaxHTField0>
-    <PublishStatusLookup xmlns="4873beb7-5857-4685-be1f-d57550cc96cc">
-      <Value>1345093</Value>
-    </PublishStatusLookup>
-    <Providers xmlns="4873beb7-5857-4685-be1f-d57550cc96cc" xsi:nil="true"/>
-    <MachineTranslated xmlns="4873beb7-5857-4685-be1f-d57550cc96cc">false</MachineTranslated>
-    <OriginalSourceMarket xmlns="4873beb7-5857-4685-be1f-d57550cc96cc" xsi:nil="true"/>
-    <APDescription xmlns="4873beb7-5857-4685-be1f-d57550cc96cc">This simple template design works for technology and  businesses, but it's versatile enough to use in other contexts.  It features multiple slide layouts designed for widescreen (16x9 resolution) and includes a sample SmartArt list and chart that are easily editable.</APDescription>
-    <ClipArtFilename xmlns="4873beb7-5857-4685-be1f-d57550cc96cc" xsi:nil="true"/>
-    <ContentItem xmlns="4873beb7-5857-4685-be1f-d57550cc96cc" xsi:nil="true"/>
-    <TPInstallLocation xmlns="4873beb7-5857-4685-be1f-d57550cc96cc" xsi:nil="true"/>
-    <PublishTargets xmlns="4873beb7-5857-4685-be1f-d57550cc96cc">OfficeOnlineVNext</PublishTargets>
-    <TimesCloned xmlns="4873beb7-5857-4685-be1f-d57550cc96cc" xsi:nil="true"/>
-    <AssetStart xmlns="4873beb7-5857-4685-be1f-d57550cc96cc">2011-11-26T00:30:00+00:00</AssetStart>
-    <Provider xmlns="4873beb7-5857-4685-be1f-d57550cc96cc" xsi:nil="true"/>
-    <AcquiredFrom xmlns="4873beb7-5857-4685-be1f-d57550cc96cc">Internal MS</AcquiredFrom>
-    <FriendlyTitle xmlns="4873beb7-5857-4685-be1f-d57550cc96cc" xsi:nil="true"/>
-    <LastHandOff xmlns="4873beb7-5857-4685-be1f-d57550cc96cc" xsi:nil="true"/>
-    <TPClientViewer xmlns="4873beb7-5857-4685-be1f-d57550cc96cc" xsi:nil="true"/>
-    <TemplateStatus xmlns="4873beb7-5857-4685-be1f-d57550cc96cc">Complete</TemplateStatus>
-    <Downloads xmlns="4873beb7-5857-4685-be1f-d57550cc96cc">0</Downloads>
-    <OOCacheId xmlns="4873beb7-5857-4685-be1f-d57550cc96cc" xsi:nil="true"/>
-    <IsDeleted xmlns="4873beb7-5857-4685-be1f-d57550cc96cc">false</IsDeleted>
-    <LocPublishedDependentAssetsLookup xmlns="4873beb7-5857-4685-be1f-d57550cc96cc" xsi:nil="true"/>
-    <TPExecutable xmlns="4873beb7-5857-4685-be1f-d57550cc96cc" xsi:nil="true"/>
-    <EditorialTags xmlns="4873beb7-5857-4685-be1f-d57550cc96cc" xsi:nil="true"/>
-    <SubmitterId xmlns="4873beb7-5857-4685-be1f-d57550cc96cc" xsi:nil="true"/>
-    <ApprovalLog xmlns="4873beb7-5857-4685-be1f-d57550cc96cc" xsi:nil="true"/>
-    <AssetType xmlns="4873beb7-5857-4685-be1f-d57550cc96cc">TP</AssetType>
-    <BugNumber xmlns="4873beb7-5857-4685-be1f-d57550cc96cc" xsi:nil="true"/>
-    <CSXSubmissionDate xmlns="4873beb7-5857-4685-be1f-d57550cc96cc" xsi:nil="true"/>
-    <CSXUpdate xmlns="4873beb7-5857-4685-be1f-d57550cc96cc">false</CSXUpdate>
-    <Milestone xmlns="4873beb7-5857-4685-be1f-d57550cc96cc" xsi:nil="true"/>
-    <RecommendationsModifier xmlns="4873beb7-5857-4685-be1f-d57550cc96cc" xsi:nil="true"/>
-    <OriginAsset xmlns="4873beb7-5857-4685-be1f-d57550cc96cc" xsi:nil="true"/>
-    <TPComponent xmlns="4873beb7-5857-4685-be1f-d57550cc96cc" xsi:nil="true"/>
-    <AssetId xmlns="4873beb7-5857-4685-be1f-d57550cc96cc">TP102787989</AssetId>
-    <IntlLocPriority xmlns="4873beb7-5857-4685-be1f-d57550cc96cc" xsi:nil="true"/>
-    <PolicheckWords xmlns="4873beb7-5857-4685-be1f-d57550cc96cc" xsi:nil="true"/>
-    <TPLaunchHelpLink xmlns="4873beb7-5857-4685-be1f-d57550cc96cc" xsi:nil="true"/>
-    <TPApplication xmlns="4873beb7-5857-4685-be1f-d57550cc96cc" xsi:nil="true"/>
-    <CrawlForDependencies xmlns="4873beb7-5857-4685-be1f-d57550cc96cc">false</CrawlForDependencies>
-    <HandoffToMSDN xmlns="4873beb7-5857-4685-be1f-d57550cc96cc" xsi:nil="true"/>
-    <PlannedPubDate xmlns="4873beb7-5857-4685-be1f-d57550cc96cc" xsi:nil="true"/>
-    <IntlLangReviewer xmlns="4873beb7-5857-4685-be1f-d57550cc96cc" xsi:nil="true"/>
-    <TrustLevel xmlns="4873beb7-5857-4685-be1f-d57550cc96cc">1 Microsoft Managed Content</TrustLevel>
-    <LocLastLocAttemptVersionLookup xmlns="4873beb7-5857-4685-be1f-d57550cc96cc">694266</LocLastLocAttemptVersionLookup>
-    <LocProcessedForHandoffsLookup xmlns="4873beb7-5857-4685-be1f-d57550cc96cc" xsi:nil="true"/>
-    <IsSearchable xmlns="4873beb7-5857-4685-be1f-d57550cc96cc">true</IsSearchable>
-    <TemplateTemplateType xmlns="4873beb7-5857-4685-be1f-d57550cc96cc">PowerPoint Presentation Template</TemplateTemplateType>
-    <CampaignTagsTaxHTField0 xmlns="4873beb7-5857-4685-be1f-d57550cc96cc">
-      <Terms xmlns="http://schemas.microsoft.com/office/infopath/2007/PartnerControls"/>
-    </CampaignTagsTaxHTField0>
-    <TPNamespace xmlns="4873beb7-5857-4685-be1f-d57550cc96cc" xsi:nil="true"/>
-    <LocOverallPreviewStatusLookup xmlns="4873beb7-5857-4685-be1f-d57550cc96cc" xsi:nil="true"/>
-    <TaxCatchAll xmlns="4873beb7-5857-4685-be1f-d57550cc96cc"/>
-    <Markets xmlns="4873beb7-5857-4685-be1f-d57550cc96cc"/>
-    <UAProjectedTotalWords xmlns="4873beb7-5857-4685-be1f-d57550cc96cc" xsi:nil="true"/>
-    <IntlLangReview xmlns="4873beb7-5857-4685-be1f-d57550cc96cc" xsi:nil="true"/>
-    <OutputCachingOn xmlns="4873beb7-5857-4685-be1f-d57550cc96cc">false</OutputCachingOn>
-    <AverageRating xmlns="4873beb7-5857-4685-be1f-d57550cc96cc" xsi:nil="true"/>
-    <APAuthor xmlns="4873beb7-5857-4685-be1f-d57550cc96cc">
-      <UserInfo>
-        <DisplayName>REDMOND\kristaa</DisplayName>
-        <AccountId>136</AccountId>
-        <AccountType/>
-      </UserInfo>
-    </APAuthor>
-    <LocManualTestRequired xmlns="4873beb7-5857-4685-be1f-d57550cc96cc">false</LocManualTestRequired>
-    <TPCommandLine xmlns="4873beb7-5857-4685-be1f-d57550cc96cc" xsi:nil="true"/>
-    <TPAppVersion xmlns="4873beb7-5857-4685-be1f-d57550cc96cc" xsi:nil="true"/>
-    <EditorialStatus xmlns="4873beb7-5857-4685-be1f-d57550cc96cc">Complete</EditorialStatus>
-    <LastModifiedDateTime xmlns="4873beb7-5857-4685-be1f-d57550cc96cc" xsi:nil="true"/>
-    <ScenarioTagsTaxHTField0 xmlns="4873beb7-5857-4685-be1f-d57550cc96cc">
-      <Terms xmlns="http://schemas.microsoft.com/office/infopath/2007/PartnerControls"/>
-    </ScenarioTagsTaxHTField0>
-    <LocProcessedForMarketsLookup xmlns="4873beb7-5857-4685-be1f-d57550cc96cc" xsi:nil="true"/>
-    <TPLaunchHelpLinkType xmlns="4873beb7-5857-4685-be1f-d57550cc96cc">Template</TPLaunchHelpLinkType>
-    <OriginalRelease xmlns="4873beb7-5857-4685-be1f-d57550cc96cc">15</OriginalRelease>
-    <LocalizationTagsTaxHTField0 xmlns="4873beb7-5857-4685-be1f-d57550cc96cc">
-      <Terms xmlns="http://schemas.microsoft.com/office/infopath/2007/PartnerControls"/>
-    </LocalizationTagsTaxHTField0>
-    <UACurrentWords xmlns="4873beb7-5857-4685-be1f-d57550cc96cc" xsi:nil="true"/>
-    <ArtSampleDocs xmlns="4873beb7-5857-4685-be1f-d57550cc96cc" xsi:nil="true"/>
-    <UALocRecommendation xmlns="4873beb7-5857-4685-be1f-d57550cc96cc">Localize</UALocRecommendation>
-    <Manager xmlns="4873beb7-5857-4685-be1f-d57550cc96cc" xsi:nil="true"/>
-    <LocOverallHandbackStatusLookup xmlns="4873beb7-5857-4685-be1f-d57550cc96cc" xsi:nil="true"/>
-    <ShowIn xmlns="4873beb7-5857-4685-be1f-d57550cc96cc">Show everywhere</ShowIn>
-    <UANotes xmlns="4873beb7-5857-4685-be1f-d57550cc96cc" xsi:nil="true"/>
-    <InternalTagsTaxHTField0 xmlns="4873beb7-5857-4685-be1f-d57550cc96cc">
-      <Terms xmlns="http://schemas.microsoft.com/office/infopath/2007/PartnerControls"/>
-    </InternalTagsTaxHTField0>
-    <CSXHash xmlns="4873beb7-5857-4685-be1f-d57550cc96cc" xsi:nil="true"/>
-    <VoteCount xmlns="4873beb7-5857-4685-be1f-d57550cc96cc" xsi:nil="true"/>
-    <AssetExpire xmlns="4873beb7-5857-4685-be1f-d57550cc96cc">2029-05-12T07:00:00+00:00</AssetExpire>
-    <DSATActionTaken xmlns="4873beb7-5857-4685-be1f-d57550cc96cc" xsi:nil="true"/>
-    <CSXSubmissionMarket xmlns="4873beb7-5857-4685-be1f-d57550cc96cc" xsi:nil="true"/>
-    <LocMarketGroupTiers2 xmlns="4873beb7-5857-4685-be1f-d57550cc96cc" xsi:nil="true"/>
-  </documentManagement>
-</p:properties>
-</file>
-
-<file path=customXml/item3.xml><?xml version="1.0" encoding="utf-8"?>
 <ct:contentTypeSchema xmlns:ct="http://schemas.microsoft.com/office/2006/metadata/contentType" xmlns:ma="http://schemas.microsoft.com/office/2006/metadata/properties/metaAttributes" ct:_="" ma:_="" ma:contentTypeName="TemplateFile" ma:contentTypeID="0x0101006EDDDB5EE6D98C44930B742096920B300400F5B6D36B3EF94B4E9A635CDF2A18F5B8" ma:contentTypeVersion="72" ma:contentTypeDescription="Create a new document." ma:contentTypeScope="" ma:versionID="a23e56308344d904b51738559c3d67c9">
   <xsd:schema xmlns:xsd="http://www.w3.org/2001/XMLSchema" xmlns:xs="http://www.w3.org/2001/XMLSchema" xmlns:p="http://schemas.microsoft.com/office/2006/metadata/properties" xmlns:ns2="4873beb7-5857-4685-be1f-d57550cc96cc" targetNamespace="http://schemas.microsoft.com/office/2006/metadata/properties" ma:root="true" ma:fieldsID="cd0908cc4600e77bf5da051303e00c8d" ns2:_="">
     <xsd:import namespace="4873beb7-5857-4685-be1f-d57550cc96cc"/>
@@ -11880,10 +12738,165 @@
 </ct:contentTypeSchema>
 </file>
 
+<file path=customXml/item2.xml><?xml version="1.0" encoding="utf-8"?>
+<p:properties xmlns:p="http://schemas.microsoft.com/office/2006/metadata/properties" xmlns:xsi="http://www.w3.org/2001/XMLSchema-instance" xmlns:pc="http://schemas.microsoft.com/office/infopath/2007/PartnerControls">
+  <documentManagement>
+    <LocPublishedLinkedAssetsLookup xmlns="4873beb7-5857-4685-be1f-d57550cc96cc" xsi:nil="true"/>
+    <ApprovalStatus xmlns="4873beb7-5857-4685-be1f-d57550cc96cc">InProgress</ApprovalStatus>
+    <MarketSpecific xmlns="4873beb7-5857-4685-be1f-d57550cc96cc">false</MarketSpecific>
+    <LocComments xmlns="4873beb7-5857-4685-be1f-d57550cc96cc" xsi:nil="true"/>
+    <LocLastLocAttemptVersionTypeLookup xmlns="4873beb7-5857-4685-be1f-d57550cc96cc" xsi:nil="true"/>
+    <DirectSourceMarket xmlns="4873beb7-5857-4685-be1f-d57550cc96cc" xsi:nil="true"/>
+    <ThumbnailAssetId xmlns="4873beb7-5857-4685-be1f-d57550cc96cc" xsi:nil="true"/>
+    <PrimaryImageGen xmlns="4873beb7-5857-4685-be1f-d57550cc96cc">false</PrimaryImageGen>
+    <LocNewPublishedVersionLookup xmlns="4873beb7-5857-4685-be1f-d57550cc96cc" xsi:nil="true"/>
+    <LegacyData xmlns="4873beb7-5857-4685-be1f-d57550cc96cc" xsi:nil="true"/>
+    <LocRecommendedHandoff xmlns="4873beb7-5857-4685-be1f-d57550cc96cc" xsi:nil="true"/>
+    <BusinessGroup xmlns="4873beb7-5857-4685-be1f-d57550cc96cc" xsi:nil="true"/>
+    <BlockPublish xmlns="4873beb7-5857-4685-be1f-d57550cc96cc">false</BlockPublish>
+    <TPFriendlyName xmlns="4873beb7-5857-4685-be1f-d57550cc96cc" xsi:nil="true"/>
+    <LocOverallPublishStatusLookup xmlns="4873beb7-5857-4685-be1f-d57550cc96cc" xsi:nil="true"/>
+    <NumericId xmlns="4873beb7-5857-4685-be1f-d57550cc96cc" xsi:nil="true"/>
+    <APEditor xmlns="4873beb7-5857-4685-be1f-d57550cc96cc">
+      <UserInfo>
+        <DisplayName/>
+        <AccountId xsi:nil="true"/>
+        <AccountType/>
+      </UserInfo>
+    </APEditor>
+    <SourceTitle xmlns="4873beb7-5857-4685-be1f-d57550cc96cc" xsi:nil="true"/>
+    <OpenTemplate xmlns="4873beb7-5857-4685-be1f-d57550cc96cc">true</OpenTemplate>
+    <LocOverallLocStatusLookup xmlns="4873beb7-5857-4685-be1f-d57550cc96cc" xsi:nil="true"/>
+    <UALocComments xmlns="4873beb7-5857-4685-be1f-d57550cc96cc" xsi:nil="true"/>
+    <ParentAssetId xmlns="4873beb7-5857-4685-be1f-d57550cc96cc" xsi:nil="true"/>
+    <IntlLangReviewDate xmlns="4873beb7-5857-4685-be1f-d57550cc96cc" xsi:nil="true"/>
+    <FeatureTagsTaxHTField0 xmlns="4873beb7-5857-4685-be1f-d57550cc96cc">
+      <Terms xmlns="http://schemas.microsoft.com/office/infopath/2007/PartnerControls"/>
+    </FeatureTagsTaxHTField0>
+    <PublishStatusLookup xmlns="4873beb7-5857-4685-be1f-d57550cc96cc">
+      <Value>1345093</Value>
+    </PublishStatusLookup>
+    <Providers xmlns="4873beb7-5857-4685-be1f-d57550cc96cc" xsi:nil="true"/>
+    <MachineTranslated xmlns="4873beb7-5857-4685-be1f-d57550cc96cc">false</MachineTranslated>
+    <OriginalSourceMarket xmlns="4873beb7-5857-4685-be1f-d57550cc96cc" xsi:nil="true"/>
+    <APDescription xmlns="4873beb7-5857-4685-be1f-d57550cc96cc">This simple template design works for technology and  businesses, but it's versatile enough to use in other contexts.  It features multiple slide layouts designed for widescreen (16x9 resolution) and includes a sample SmartArt list and chart that are easily editable.</APDescription>
+    <ClipArtFilename xmlns="4873beb7-5857-4685-be1f-d57550cc96cc" xsi:nil="true"/>
+    <ContentItem xmlns="4873beb7-5857-4685-be1f-d57550cc96cc" xsi:nil="true"/>
+    <TPInstallLocation xmlns="4873beb7-5857-4685-be1f-d57550cc96cc" xsi:nil="true"/>
+    <PublishTargets xmlns="4873beb7-5857-4685-be1f-d57550cc96cc">OfficeOnlineVNext</PublishTargets>
+    <TimesCloned xmlns="4873beb7-5857-4685-be1f-d57550cc96cc" xsi:nil="true"/>
+    <AssetStart xmlns="4873beb7-5857-4685-be1f-d57550cc96cc">2011-11-26T00:30:00+00:00</AssetStart>
+    <Provider xmlns="4873beb7-5857-4685-be1f-d57550cc96cc" xsi:nil="true"/>
+    <AcquiredFrom xmlns="4873beb7-5857-4685-be1f-d57550cc96cc">Internal MS</AcquiredFrom>
+    <FriendlyTitle xmlns="4873beb7-5857-4685-be1f-d57550cc96cc" xsi:nil="true"/>
+    <LastHandOff xmlns="4873beb7-5857-4685-be1f-d57550cc96cc" xsi:nil="true"/>
+    <TPClientViewer xmlns="4873beb7-5857-4685-be1f-d57550cc96cc" xsi:nil="true"/>
+    <TemplateStatus xmlns="4873beb7-5857-4685-be1f-d57550cc96cc">Complete</TemplateStatus>
+    <Downloads xmlns="4873beb7-5857-4685-be1f-d57550cc96cc">0</Downloads>
+    <OOCacheId xmlns="4873beb7-5857-4685-be1f-d57550cc96cc" xsi:nil="true"/>
+    <IsDeleted xmlns="4873beb7-5857-4685-be1f-d57550cc96cc">false</IsDeleted>
+    <LocPublishedDependentAssetsLookup xmlns="4873beb7-5857-4685-be1f-d57550cc96cc" xsi:nil="true"/>
+    <TPExecutable xmlns="4873beb7-5857-4685-be1f-d57550cc96cc" xsi:nil="true"/>
+    <EditorialTags xmlns="4873beb7-5857-4685-be1f-d57550cc96cc" xsi:nil="true"/>
+    <SubmitterId xmlns="4873beb7-5857-4685-be1f-d57550cc96cc" xsi:nil="true"/>
+    <ApprovalLog xmlns="4873beb7-5857-4685-be1f-d57550cc96cc" xsi:nil="true"/>
+    <AssetType xmlns="4873beb7-5857-4685-be1f-d57550cc96cc">TP</AssetType>
+    <BugNumber xmlns="4873beb7-5857-4685-be1f-d57550cc96cc" xsi:nil="true"/>
+    <CSXSubmissionDate xmlns="4873beb7-5857-4685-be1f-d57550cc96cc" xsi:nil="true"/>
+    <CSXUpdate xmlns="4873beb7-5857-4685-be1f-d57550cc96cc">false</CSXUpdate>
+    <Milestone xmlns="4873beb7-5857-4685-be1f-d57550cc96cc" xsi:nil="true"/>
+    <RecommendationsModifier xmlns="4873beb7-5857-4685-be1f-d57550cc96cc" xsi:nil="true"/>
+    <OriginAsset xmlns="4873beb7-5857-4685-be1f-d57550cc96cc" xsi:nil="true"/>
+    <TPComponent xmlns="4873beb7-5857-4685-be1f-d57550cc96cc" xsi:nil="true"/>
+    <AssetId xmlns="4873beb7-5857-4685-be1f-d57550cc96cc">TP102787989</AssetId>
+    <IntlLocPriority xmlns="4873beb7-5857-4685-be1f-d57550cc96cc" xsi:nil="true"/>
+    <PolicheckWords xmlns="4873beb7-5857-4685-be1f-d57550cc96cc" xsi:nil="true"/>
+    <TPLaunchHelpLink xmlns="4873beb7-5857-4685-be1f-d57550cc96cc" xsi:nil="true"/>
+    <TPApplication xmlns="4873beb7-5857-4685-be1f-d57550cc96cc" xsi:nil="true"/>
+    <CrawlForDependencies xmlns="4873beb7-5857-4685-be1f-d57550cc96cc">false</CrawlForDependencies>
+    <HandoffToMSDN xmlns="4873beb7-5857-4685-be1f-d57550cc96cc" xsi:nil="true"/>
+    <PlannedPubDate xmlns="4873beb7-5857-4685-be1f-d57550cc96cc" xsi:nil="true"/>
+    <IntlLangReviewer xmlns="4873beb7-5857-4685-be1f-d57550cc96cc" xsi:nil="true"/>
+    <TrustLevel xmlns="4873beb7-5857-4685-be1f-d57550cc96cc">1 Microsoft Managed Content</TrustLevel>
+    <LocLastLocAttemptVersionLookup xmlns="4873beb7-5857-4685-be1f-d57550cc96cc">694266</LocLastLocAttemptVersionLookup>
+    <LocProcessedForHandoffsLookup xmlns="4873beb7-5857-4685-be1f-d57550cc96cc" xsi:nil="true"/>
+    <IsSearchable xmlns="4873beb7-5857-4685-be1f-d57550cc96cc">true</IsSearchable>
+    <TemplateTemplateType xmlns="4873beb7-5857-4685-be1f-d57550cc96cc">PowerPoint Presentation Template</TemplateTemplateType>
+    <CampaignTagsTaxHTField0 xmlns="4873beb7-5857-4685-be1f-d57550cc96cc">
+      <Terms xmlns="http://schemas.microsoft.com/office/infopath/2007/PartnerControls"/>
+    </CampaignTagsTaxHTField0>
+    <TPNamespace xmlns="4873beb7-5857-4685-be1f-d57550cc96cc" xsi:nil="true"/>
+    <LocOverallPreviewStatusLookup xmlns="4873beb7-5857-4685-be1f-d57550cc96cc" xsi:nil="true"/>
+    <TaxCatchAll xmlns="4873beb7-5857-4685-be1f-d57550cc96cc"/>
+    <Markets xmlns="4873beb7-5857-4685-be1f-d57550cc96cc"/>
+    <UAProjectedTotalWords xmlns="4873beb7-5857-4685-be1f-d57550cc96cc" xsi:nil="true"/>
+    <IntlLangReview xmlns="4873beb7-5857-4685-be1f-d57550cc96cc" xsi:nil="true"/>
+    <OutputCachingOn xmlns="4873beb7-5857-4685-be1f-d57550cc96cc">false</OutputCachingOn>
+    <AverageRating xmlns="4873beb7-5857-4685-be1f-d57550cc96cc" xsi:nil="true"/>
+    <APAuthor xmlns="4873beb7-5857-4685-be1f-d57550cc96cc">
+      <UserInfo>
+        <DisplayName>REDMOND\kristaa</DisplayName>
+        <AccountId>136</AccountId>
+        <AccountType/>
+      </UserInfo>
+    </APAuthor>
+    <LocManualTestRequired xmlns="4873beb7-5857-4685-be1f-d57550cc96cc">false</LocManualTestRequired>
+    <TPCommandLine xmlns="4873beb7-5857-4685-be1f-d57550cc96cc" xsi:nil="true"/>
+    <TPAppVersion xmlns="4873beb7-5857-4685-be1f-d57550cc96cc" xsi:nil="true"/>
+    <EditorialStatus xmlns="4873beb7-5857-4685-be1f-d57550cc96cc">Complete</EditorialStatus>
+    <LastModifiedDateTime xmlns="4873beb7-5857-4685-be1f-d57550cc96cc" xsi:nil="true"/>
+    <ScenarioTagsTaxHTField0 xmlns="4873beb7-5857-4685-be1f-d57550cc96cc">
+      <Terms xmlns="http://schemas.microsoft.com/office/infopath/2007/PartnerControls"/>
+    </ScenarioTagsTaxHTField0>
+    <LocProcessedForMarketsLookup xmlns="4873beb7-5857-4685-be1f-d57550cc96cc" xsi:nil="true"/>
+    <TPLaunchHelpLinkType xmlns="4873beb7-5857-4685-be1f-d57550cc96cc">Template</TPLaunchHelpLinkType>
+    <OriginalRelease xmlns="4873beb7-5857-4685-be1f-d57550cc96cc">15</OriginalRelease>
+    <LocalizationTagsTaxHTField0 xmlns="4873beb7-5857-4685-be1f-d57550cc96cc">
+      <Terms xmlns="http://schemas.microsoft.com/office/infopath/2007/PartnerControls"/>
+    </LocalizationTagsTaxHTField0>
+    <UACurrentWords xmlns="4873beb7-5857-4685-be1f-d57550cc96cc" xsi:nil="true"/>
+    <ArtSampleDocs xmlns="4873beb7-5857-4685-be1f-d57550cc96cc" xsi:nil="true"/>
+    <UALocRecommendation xmlns="4873beb7-5857-4685-be1f-d57550cc96cc">Localize</UALocRecommendation>
+    <Manager xmlns="4873beb7-5857-4685-be1f-d57550cc96cc" xsi:nil="true"/>
+    <LocOverallHandbackStatusLookup xmlns="4873beb7-5857-4685-be1f-d57550cc96cc" xsi:nil="true"/>
+    <ShowIn xmlns="4873beb7-5857-4685-be1f-d57550cc96cc">Show everywhere</ShowIn>
+    <UANotes xmlns="4873beb7-5857-4685-be1f-d57550cc96cc" xsi:nil="true"/>
+    <InternalTagsTaxHTField0 xmlns="4873beb7-5857-4685-be1f-d57550cc96cc">
+      <Terms xmlns="http://schemas.microsoft.com/office/infopath/2007/PartnerControls"/>
+    </InternalTagsTaxHTField0>
+    <CSXHash xmlns="4873beb7-5857-4685-be1f-d57550cc96cc" xsi:nil="true"/>
+    <VoteCount xmlns="4873beb7-5857-4685-be1f-d57550cc96cc" xsi:nil="true"/>
+    <AssetExpire xmlns="4873beb7-5857-4685-be1f-d57550cc96cc">2029-05-12T07:00:00+00:00</AssetExpire>
+    <DSATActionTaken xmlns="4873beb7-5857-4685-be1f-d57550cc96cc" xsi:nil="true"/>
+    <CSXSubmissionMarket xmlns="4873beb7-5857-4685-be1f-d57550cc96cc" xsi:nil="true"/>
+    <LocMarketGroupTiers2 xmlns="4873beb7-5857-4685-be1f-d57550cc96cc" xsi:nil="true"/>
+  </documentManagement>
+</p:properties>
+</file>
+
+<file path=customXml/item3.xml><?xml version="1.0" encoding="utf-8"?>
+<?mso-contentType ?>
+<FormTemplates xmlns="http://schemas.microsoft.com/sharepoint/v3/contenttype/forms">
+  <Display>DocumentLibraryForm</Display>
+  <Edit>AssetEditForm</Edit>
+  <New>DocumentLibraryForm</New>
+</FormTemplates>
+</file>
+
 <file path=customXml/itemProps1.xml><?xml version="1.0" encoding="utf-8"?>
-<ds:datastoreItem xmlns:ds="http://schemas.openxmlformats.org/officeDocument/2006/customXml" ds:itemID="{3836F65B-1B07-41EE-A0E8-BC6EF3855225}">
+<ds:datastoreItem xmlns:ds="http://schemas.openxmlformats.org/officeDocument/2006/customXml" ds:itemID="{A09BF4D4-EF60-4196-BFC3-9462D607978C}">
   <ds:schemaRefs>
-    <ds:schemaRef ds:uri="http://schemas.microsoft.com/sharepoint/v3/contenttype/forms"/>
+    <ds:schemaRef ds:uri="http://schemas.microsoft.com/office/2006/metadata/contentType"/>
+    <ds:schemaRef ds:uri="http://schemas.microsoft.com/office/2006/metadata/properties/metaAttributes"/>
+    <ds:schemaRef ds:uri="http://www.w3.org/2001/XMLSchema"/>
+    <ds:schemaRef ds:uri="http://schemas.microsoft.com/office/2006/metadata/properties"/>
+    <ds:schemaRef ds:uri="4873beb7-5857-4685-be1f-d57550cc96cc"/>
+    <ds:schemaRef ds:uri="http://schemas.microsoft.com/office/2006/documentManagement/types"/>
+    <ds:schemaRef ds:uri="http://schemas.microsoft.com/office/infopath/2007/PartnerControls"/>
+    <ds:schemaRef ds:uri="http://schemas.openxmlformats.org/package/2006/metadata/core-properties"/>
+    <ds:schemaRef ds:uri="http://purl.org/dc/elements/1.1/"/>
+    <ds:schemaRef ds:uri="http://purl.org/dc/terms/"/>
+    <ds:schemaRef ds:uri="http://schemas.microsoft.com/internal/obd"/>
   </ds:schemaRefs>
 </ds:datastoreItem>
 </file>
@@ -11905,19 +12918,9 @@
 </file>
 
 <file path=customXml/itemProps3.xml><?xml version="1.0" encoding="utf-8"?>
-<ds:datastoreItem xmlns:ds="http://schemas.openxmlformats.org/officeDocument/2006/customXml" ds:itemID="{A09BF4D4-EF60-4196-BFC3-9462D607978C}">
+<ds:datastoreItem xmlns:ds="http://schemas.openxmlformats.org/officeDocument/2006/customXml" ds:itemID="{3836F65B-1B07-41EE-A0E8-BC6EF3855225}">
   <ds:schemaRefs>
-    <ds:schemaRef ds:uri="http://schemas.microsoft.com/office/2006/metadata/contentType"/>
-    <ds:schemaRef ds:uri="http://schemas.microsoft.com/office/2006/metadata/properties/metaAttributes"/>
-    <ds:schemaRef ds:uri="http://www.w3.org/2001/XMLSchema"/>
-    <ds:schemaRef ds:uri="http://schemas.microsoft.com/office/2006/metadata/properties"/>
-    <ds:schemaRef ds:uri="4873beb7-5857-4685-be1f-d57550cc96cc"/>
-    <ds:schemaRef ds:uri="http://schemas.microsoft.com/office/2006/documentManagement/types"/>
-    <ds:schemaRef ds:uri="http://schemas.microsoft.com/office/infopath/2007/PartnerControls"/>
-    <ds:schemaRef ds:uri="http://schemas.openxmlformats.org/package/2006/metadata/core-properties"/>
-    <ds:schemaRef ds:uri="http://purl.org/dc/elements/1.1/"/>
-    <ds:schemaRef ds:uri="http://purl.org/dc/terms/"/>
-    <ds:schemaRef ds:uri="http://schemas.microsoft.com/internal/obd"/>
+    <ds:schemaRef ds:uri="http://schemas.microsoft.com/sharepoint/v3/contenttype/forms"/>
   </ds:schemaRefs>
 </ds:datastoreItem>
 </file>
--- a/Documentation/Bluff game.pptx
+++ b/Documentation/Bluff game.pptx
@@ -5,10 +5,10 @@
     <p:sldMasterId id="2147483660" r:id="rId4"/>
   </p:sldMasterIdLst>
   <p:notesMasterIdLst>
-    <p:notesMasterId r:id="rId25"/>
+    <p:notesMasterId r:id="rId29"/>
   </p:notesMasterIdLst>
   <p:handoutMasterIdLst>
-    <p:handoutMasterId r:id="rId26"/>
+    <p:handoutMasterId r:id="rId30"/>
   </p:handoutMasterIdLst>
   <p:sldIdLst>
     <p:sldId id="257" r:id="rId5"/>
@@ -23,14 +23,18 @@
     <p:sldId id="277" r:id="rId14"/>
     <p:sldId id="265" r:id="rId15"/>
     <p:sldId id="278" r:id="rId16"/>
-    <p:sldId id="263" r:id="rId17"/>
-    <p:sldId id="279" r:id="rId18"/>
-    <p:sldId id="281" r:id="rId19"/>
-    <p:sldId id="282" r:id="rId20"/>
-    <p:sldId id="283" r:id="rId21"/>
-    <p:sldId id="284" r:id="rId22"/>
-    <p:sldId id="285" r:id="rId23"/>
-    <p:sldId id="271" r:id="rId24"/>
+    <p:sldId id="286" r:id="rId17"/>
+    <p:sldId id="287" r:id="rId18"/>
+    <p:sldId id="288" r:id="rId19"/>
+    <p:sldId id="289" r:id="rId20"/>
+    <p:sldId id="290" r:id="rId21"/>
+    <p:sldId id="279" r:id="rId22"/>
+    <p:sldId id="281" r:id="rId23"/>
+    <p:sldId id="282" r:id="rId24"/>
+    <p:sldId id="283" r:id="rId25"/>
+    <p:sldId id="284" r:id="rId26"/>
+    <p:sldId id="285" r:id="rId27"/>
+    <p:sldId id="291" r:id="rId28"/>
   </p:sldIdLst>
   <p:sldSz cx="12188825" cy="6858000"/>
   <p:notesSz cx="6858000" cy="9144000"/>
@@ -6369,7 +6373,13 @@
   <p:cSld>
     <p:spTree>
       <p:nvGrpSpPr>
-        <p:cNvPr id="1" name=""/>
+        <p:cNvPr id="1" name="">
+          <a:extLst>
+            <a:ext uri="{FF2B5EF4-FFF2-40B4-BE49-F238E27FC236}">
+              <a16:creationId xmlns:a16="http://schemas.microsoft.com/office/drawing/2014/main" id="{722C18D2-C08B-F773-5466-2E3B5E951C96}"/>
+            </a:ext>
+          </a:extLst>
+        </p:cNvPr>
         <p:cNvGrpSpPr/>
         <p:nvPr/>
       </p:nvGrpSpPr>
@@ -6381,23 +6391,174 @@
           <a:chExt cx="0" cy="0"/>
         </a:xfrm>
       </p:grpSpPr>
+      <p:sp>
+        <p:nvSpPr>
+          <p:cNvPr id="7" name="Title 6">
+            <a:extLst>
+              <a:ext uri="{FF2B5EF4-FFF2-40B4-BE49-F238E27FC236}">
+                <a16:creationId xmlns:a16="http://schemas.microsoft.com/office/drawing/2014/main" id="{D4576CC6-503A-8197-EFB4-848E76975192}"/>
+              </a:ext>
+            </a:extLst>
+          </p:cNvPr>
+          <p:cNvSpPr>
+            <a:spLocks noGrp="1"/>
+          </p:cNvSpPr>
+          <p:nvPr>
+            <p:ph type="title"/>
+          </p:nvPr>
+        </p:nvSpPr>
+        <p:spPr/>
+        <p:txBody>
+          <a:bodyPr/>
+          <a:lstStyle/>
+          <a:p>
+            <a:r>
+              <a:rPr lang="en-US" dirty="0"/>
+              <a:t>Architecture</a:t>
+            </a:r>
+          </a:p>
+        </p:txBody>
+      </p:sp>
+      <p:sp>
+        <p:nvSpPr>
+          <p:cNvPr id="10" name="Content Placeholder 9">
+            <a:extLst>
+              <a:ext uri="{FF2B5EF4-FFF2-40B4-BE49-F238E27FC236}">
+                <a16:creationId xmlns:a16="http://schemas.microsoft.com/office/drawing/2014/main" id="{79C52659-41C1-E375-E78C-E1F488B95EC7}"/>
+              </a:ext>
+            </a:extLst>
+          </p:cNvPr>
+          <p:cNvSpPr>
+            <a:spLocks noGrp="1"/>
+          </p:cNvSpPr>
+          <p:nvPr>
+            <p:ph sz="half" idx="2"/>
+          </p:nvPr>
+        </p:nvSpPr>
+        <p:spPr>
+          <a:xfrm>
+            <a:off x="1218883" y="2132856"/>
+            <a:ext cx="9484041" cy="4039344"/>
+          </a:xfrm>
+        </p:spPr>
+        <p:txBody>
+          <a:bodyPr/>
+          <a:lstStyle/>
+          <a:p>
+            <a:r>
+              <a:rPr lang="en-US" sz="1800" dirty="0"/>
+              <a:t>Framework: Built with </a:t>
+            </a:r>
+            <a:r>
+              <a:rPr lang="en-US" sz="1800" dirty="0" err="1"/>
+              <a:t>FastAPI</a:t>
+            </a:r>
+            <a:r>
+              <a:rPr lang="en-US" sz="1800" dirty="0"/>
+              <a:t> for high-performance asynchronous web services.</a:t>
+            </a:r>
+          </a:p>
+          <a:p>
+            <a:r>
+              <a:rPr lang="en-US" sz="1800" dirty="0"/>
+              <a:t>Modular Design:</a:t>
+            </a:r>
+          </a:p>
+          <a:p>
+            <a:pPr lvl="1"/>
+            <a:r>
+              <a:rPr lang="en-US" sz="1400" dirty="0"/>
+              <a:t>websocket_routes.py </a:t>
+            </a:r>
+          </a:p>
+          <a:p>
+            <a:pPr lvl="1"/>
+            <a:r>
+              <a:rPr lang="en-US" sz="1400" dirty="0"/>
+              <a:t>Manages real-time game communication.api_routes.py </a:t>
+            </a:r>
+          </a:p>
+          <a:p>
+            <a:pPr lvl="1"/>
+            <a:r>
+              <a:rPr lang="en-US" sz="1400" dirty="0"/>
+              <a:t>Handles REST API endpoints for player actions.game.py </a:t>
+            </a:r>
+          </a:p>
+          <a:p>
+            <a:pPr lvl="1"/>
+            <a:r>
+              <a:rPr lang="en-US" sz="1400" dirty="0"/>
+              <a:t>Contains core game logic and state management.external_requests.py </a:t>
+            </a:r>
+          </a:p>
+          <a:p>
+            <a:pPr lvl="1"/>
+            <a:r>
+              <a:rPr lang="en-US" sz="1400" dirty="0"/>
+              <a:t>Integrates with external services (e.g., match result updates).</a:t>
+            </a:r>
+          </a:p>
+          <a:p>
+            <a:r>
+              <a:rPr lang="en-US" sz="1800" dirty="0"/>
+              <a:t>Game State Management:</a:t>
+            </a:r>
+          </a:p>
+          <a:p>
+            <a:pPr lvl="1"/>
+            <a:r>
+              <a:rPr lang="en-US" sz="1400" dirty="0"/>
+              <a:t>Uses in-memory dictionaries (</a:t>
+            </a:r>
+            <a:r>
+              <a:rPr lang="en-US" sz="1400" dirty="0" err="1"/>
+              <a:t>game_data</a:t>
+            </a:r>
+            <a:r>
+              <a:rPr lang="en-US" sz="1400" dirty="0"/>
+              <a:t>, </a:t>
+            </a:r>
+            <a:r>
+              <a:rPr lang="en-US" sz="1400" dirty="0" err="1"/>
+              <a:t>match_players</a:t>
+            </a:r>
+            <a:r>
+              <a:rPr lang="en-US" sz="1400" dirty="0"/>
+              <a:t>) for real-time responsiveness.</a:t>
+            </a:r>
+          </a:p>
+          <a:p>
+            <a:pPr lvl="1"/>
+            <a:r>
+              <a:rPr lang="en-US" sz="1400" dirty="0" err="1"/>
+              <a:t>GameManager</a:t>
+            </a:r>
+            <a:r>
+              <a:rPr lang="en-US" sz="1400" dirty="0"/>
+              <a:t> class orchestrates game flow, turns, and transitions.</a:t>
+            </a:r>
+            <a:endParaRPr lang="en-US" dirty="0"/>
+          </a:p>
+        </p:txBody>
+      </p:sp>
     </p:spTree>
     <p:extLst>
       <p:ext uri="{BB962C8B-B14F-4D97-AF65-F5344CB8AC3E}">
-        <p14:creationId xmlns:p14="http://schemas.microsoft.com/office/powerpoint/2010/main" val="1405850135"/>
+        <p14:creationId xmlns:p14="http://schemas.microsoft.com/office/powerpoint/2010/main" val="3141694224"/>
       </p:ext>
     </p:extLst>
   </p:cSld>
   <p:clrMapOvr>
     <a:masterClrMapping/>
   </p:clrMapOvr>
-  <mc:AlternateContent xmlns:mc="http://schemas.openxmlformats.org/markup-compatibility/2006" xmlns:p14="http://schemas.microsoft.com/office/powerpoint/2010/main">
-    <mc:Choice Requires="p14">
+  <mc:AlternateContent xmlns:mc="http://schemas.openxmlformats.org/markup-compatibility/2006">
+    <mc:Choice xmlns:p14="http://schemas.microsoft.com/office/powerpoint/2010/main" Requires="p14">
       <p:transition spd="med" p14:dur="700">
         <p:fade/>
       </p:transition>
     </mc:Choice>
-    <mc:Fallback xmlns="">
+    <mc:Fallback>
       <p:transition spd="med">
         <p:fade/>
       </p:transition>
@@ -6407,6 +6568,731 @@
 </file>
 
 <file path=ppt/slides/slide14.xml><?xml version="1.0" encoding="utf-8"?>
+<p:sld xmlns:a="http://schemas.openxmlformats.org/drawingml/2006/main" xmlns:r="http://schemas.openxmlformats.org/officeDocument/2006/relationships" xmlns:p="http://schemas.openxmlformats.org/presentationml/2006/main">
+  <p:cSld>
+    <p:spTree>
+      <p:nvGrpSpPr>
+        <p:cNvPr id="1" name="">
+          <a:extLst>
+            <a:ext uri="{FF2B5EF4-FFF2-40B4-BE49-F238E27FC236}">
+              <a16:creationId xmlns:a16="http://schemas.microsoft.com/office/drawing/2014/main" id="{38991151-BA41-EF83-C826-7EDAF3541C17}"/>
+            </a:ext>
+          </a:extLst>
+        </p:cNvPr>
+        <p:cNvGrpSpPr/>
+        <p:nvPr/>
+      </p:nvGrpSpPr>
+      <p:grpSpPr>
+        <a:xfrm>
+          <a:off x="0" y="0"/>
+          <a:ext cx="0" cy="0"/>
+          <a:chOff x="0" y="0"/>
+          <a:chExt cx="0" cy="0"/>
+        </a:xfrm>
+      </p:grpSpPr>
+      <p:sp>
+        <p:nvSpPr>
+          <p:cNvPr id="7" name="Title 6">
+            <a:extLst>
+              <a:ext uri="{FF2B5EF4-FFF2-40B4-BE49-F238E27FC236}">
+                <a16:creationId xmlns:a16="http://schemas.microsoft.com/office/drawing/2014/main" id="{633655FE-E826-C625-F8A1-B147F6AFA165}"/>
+              </a:ext>
+            </a:extLst>
+          </p:cNvPr>
+          <p:cNvSpPr>
+            <a:spLocks noGrp="1"/>
+          </p:cNvSpPr>
+          <p:nvPr>
+            <p:ph type="title"/>
+          </p:nvPr>
+        </p:nvSpPr>
+        <p:spPr/>
+        <p:txBody>
+          <a:bodyPr/>
+          <a:lstStyle/>
+          <a:p>
+            <a:r>
+              <a:rPr lang="en-US" dirty="0"/>
+              <a:t>RESTful APIs</a:t>
+            </a:r>
+          </a:p>
+        </p:txBody>
+      </p:sp>
+      <p:sp>
+        <p:nvSpPr>
+          <p:cNvPr id="10" name="Content Placeholder 9">
+            <a:extLst>
+              <a:ext uri="{FF2B5EF4-FFF2-40B4-BE49-F238E27FC236}">
+                <a16:creationId xmlns:a16="http://schemas.microsoft.com/office/drawing/2014/main" id="{A8FA1CA0-EE1F-7B69-C4AC-19B27AD10050}"/>
+              </a:ext>
+            </a:extLst>
+          </p:cNvPr>
+          <p:cNvSpPr>
+            <a:spLocks noGrp="1"/>
+          </p:cNvSpPr>
+          <p:nvPr>
+            <p:ph sz="half" idx="2"/>
+          </p:nvPr>
+        </p:nvSpPr>
+        <p:spPr>
+          <a:xfrm>
+            <a:off x="1218883" y="2132856"/>
+            <a:ext cx="9484041" cy="4039344"/>
+          </a:xfrm>
+        </p:spPr>
+        <p:txBody>
+          <a:bodyPr/>
+          <a:lstStyle/>
+          <a:p>
+            <a:r>
+              <a:rPr lang="en-GB" sz="1800" dirty="0"/>
+              <a:t>Enables traditional HTTP-based interaction for core game actions:</a:t>
+            </a:r>
+          </a:p>
+          <a:p>
+            <a:pPr lvl="1"/>
+            <a:r>
+              <a:rPr lang="en-GB" sz="1400" dirty="0"/>
+              <a:t>/roll-dice – Player rolls dice; triggers </a:t>
+            </a:r>
+            <a:r>
+              <a:rPr lang="en-GB" sz="1400" dirty="0" err="1"/>
+              <a:t>handle_game_roll_dice</a:t>
+            </a:r>
+            <a:r>
+              <a:rPr lang="en-GB" sz="1400" dirty="0"/>
+              <a:t>.</a:t>
+            </a:r>
+          </a:p>
+          <a:p>
+            <a:pPr lvl="1"/>
+            <a:r>
+              <a:rPr lang="en-GB" sz="1400" dirty="0"/>
+              <a:t>/claim – Player makes a claim; processed via </a:t>
+            </a:r>
+            <a:r>
+              <a:rPr lang="en-GB" sz="1400" dirty="0" err="1"/>
+              <a:t>handle_game_claim_dice</a:t>
+            </a:r>
+            <a:r>
+              <a:rPr lang="en-GB" sz="1400" dirty="0"/>
+              <a:t>.</a:t>
+            </a:r>
+          </a:p>
+          <a:p>
+            <a:pPr lvl="1"/>
+            <a:r>
+              <a:rPr lang="en-GB" sz="1400" dirty="0"/>
+              <a:t>/decide – Player accepts/rejects a claim; handled by </a:t>
+            </a:r>
+            <a:r>
+              <a:rPr lang="en-GB" sz="1400" dirty="0" err="1"/>
+              <a:t>handle_game_round_decide</a:t>
+            </a:r>
+            <a:r>
+              <a:rPr lang="en-GB" sz="1400" dirty="0"/>
+              <a:t>.</a:t>
+            </a:r>
+          </a:p>
+          <a:p>
+            <a:pPr lvl="1"/>
+            <a:r>
+              <a:rPr lang="en-GB" sz="1400" dirty="0"/>
+              <a:t>/match/request – Sends match invitation to another player.</a:t>
+            </a:r>
+          </a:p>
+          <a:p>
+            <a:pPr lvl="1"/>
+            <a:r>
+              <a:rPr lang="en-GB" sz="1400" dirty="0"/>
+              <a:t>/match/accept – Accepts invitation and starts a new game session.</a:t>
+            </a:r>
+          </a:p>
+          <a:p>
+            <a:r>
+              <a:rPr lang="en-GB" sz="1800" dirty="0"/>
+              <a:t>Decouples frontend logic from backend mechanics for better scalability.</a:t>
+            </a:r>
+            <a:endParaRPr lang="en-US" dirty="0"/>
+          </a:p>
+        </p:txBody>
+      </p:sp>
+    </p:spTree>
+    <p:extLst>
+      <p:ext uri="{BB962C8B-B14F-4D97-AF65-F5344CB8AC3E}">
+        <p14:creationId xmlns:p14="http://schemas.microsoft.com/office/powerpoint/2010/main" val="645031142"/>
+      </p:ext>
+    </p:extLst>
+  </p:cSld>
+  <p:clrMapOvr>
+    <a:masterClrMapping/>
+  </p:clrMapOvr>
+  <mc:AlternateContent xmlns:mc="http://schemas.openxmlformats.org/markup-compatibility/2006">
+    <mc:Choice xmlns:p14="http://schemas.microsoft.com/office/powerpoint/2010/main" Requires="p14">
+      <p:transition spd="med" p14:dur="700">
+        <p:fade/>
+      </p:transition>
+    </mc:Choice>
+    <mc:Fallback>
+      <p:transition spd="med">
+        <p:fade/>
+      </p:transition>
+    </mc:Fallback>
+  </mc:AlternateContent>
+</p:sld>
+</file>
+
+<file path=ppt/slides/slide15.xml><?xml version="1.0" encoding="utf-8"?>
+<p:sld xmlns:a="http://schemas.openxmlformats.org/drawingml/2006/main" xmlns:r="http://schemas.openxmlformats.org/officeDocument/2006/relationships" xmlns:p="http://schemas.openxmlformats.org/presentationml/2006/main">
+  <p:cSld>
+    <p:spTree>
+      <p:nvGrpSpPr>
+        <p:cNvPr id="1" name="">
+          <a:extLst>
+            <a:ext uri="{FF2B5EF4-FFF2-40B4-BE49-F238E27FC236}">
+              <a16:creationId xmlns:a16="http://schemas.microsoft.com/office/drawing/2014/main" id="{A2954CEE-B89A-5696-FDE6-38B30A708494}"/>
+            </a:ext>
+          </a:extLst>
+        </p:cNvPr>
+        <p:cNvGrpSpPr/>
+        <p:nvPr/>
+      </p:nvGrpSpPr>
+      <p:grpSpPr>
+        <a:xfrm>
+          <a:off x="0" y="0"/>
+          <a:ext cx="0" cy="0"/>
+          <a:chOff x="0" y="0"/>
+          <a:chExt cx="0" cy="0"/>
+        </a:xfrm>
+      </p:grpSpPr>
+      <p:sp>
+        <p:nvSpPr>
+          <p:cNvPr id="7" name="Title 6">
+            <a:extLst>
+              <a:ext uri="{FF2B5EF4-FFF2-40B4-BE49-F238E27FC236}">
+                <a16:creationId xmlns:a16="http://schemas.microsoft.com/office/drawing/2014/main" id="{8F5C6049-F22C-8B35-465D-1804E72D4DF1}"/>
+              </a:ext>
+            </a:extLst>
+          </p:cNvPr>
+          <p:cNvSpPr>
+            <a:spLocks noGrp="1"/>
+          </p:cNvSpPr>
+          <p:nvPr>
+            <p:ph type="title"/>
+          </p:nvPr>
+        </p:nvSpPr>
+        <p:spPr/>
+        <p:txBody>
+          <a:bodyPr/>
+          <a:lstStyle/>
+          <a:p>
+            <a:r>
+              <a:rPr lang="en-US" dirty="0"/>
+              <a:t>WebSocket Communication</a:t>
+            </a:r>
+          </a:p>
+        </p:txBody>
+      </p:sp>
+      <p:sp>
+        <p:nvSpPr>
+          <p:cNvPr id="10" name="Content Placeholder 9">
+            <a:extLst>
+              <a:ext uri="{FF2B5EF4-FFF2-40B4-BE49-F238E27FC236}">
+                <a16:creationId xmlns:a16="http://schemas.microsoft.com/office/drawing/2014/main" id="{1CE52E8C-0496-C9BF-745A-D027DBFC5802}"/>
+              </a:ext>
+            </a:extLst>
+          </p:cNvPr>
+          <p:cNvSpPr>
+            <a:spLocks noGrp="1"/>
+          </p:cNvSpPr>
+          <p:nvPr>
+            <p:ph sz="half" idx="2"/>
+          </p:nvPr>
+        </p:nvSpPr>
+        <p:spPr>
+          <a:xfrm>
+            <a:off x="1218883" y="2132856"/>
+            <a:ext cx="9484041" cy="4039344"/>
+          </a:xfrm>
+        </p:spPr>
+        <p:txBody>
+          <a:bodyPr/>
+          <a:lstStyle/>
+          <a:p>
+            <a:r>
+              <a:rPr lang="en-GB" sz="1800" dirty="0"/>
+              <a:t>Enables real-time bi-directional communication for dynamic game state updates.</a:t>
+            </a:r>
+          </a:p>
+          <a:p>
+            <a:r>
+              <a:rPr lang="en-GB" sz="1800" dirty="0"/>
+              <a:t>WebSocket Routes:</a:t>
+            </a:r>
+          </a:p>
+          <a:p>
+            <a:pPr lvl="1"/>
+            <a:r>
+              <a:rPr lang="en-GB" sz="1400" dirty="0"/>
+              <a:t>/</a:t>
+            </a:r>
+            <a:r>
+              <a:rPr lang="en-GB" sz="1400" dirty="0" err="1"/>
+              <a:t>ws</a:t>
+            </a:r>
+            <a:r>
+              <a:rPr lang="en-GB" sz="1400" dirty="0"/>
+              <a:t>/lobby – Manages lobby interactions via </a:t>
+            </a:r>
+            <a:r>
+              <a:rPr lang="en-GB" sz="1400" dirty="0" err="1"/>
+              <a:t>handle_lobby_socket</a:t>
+            </a:r>
+            <a:r>
+              <a:rPr lang="en-GB" sz="1400" dirty="0"/>
+              <a:t>.</a:t>
+            </a:r>
+          </a:p>
+          <a:p>
+            <a:pPr lvl="1"/>
+            <a:r>
+              <a:rPr lang="en-GB" sz="1400" dirty="0"/>
+              <a:t>/</a:t>
+            </a:r>
+            <a:r>
+              <a:rPr lang="en-GB" sz="1400" dirty="0" err="1"/>
+              <a:t>ws</a:t>
+            </a:r>
+            <a:r>
+              <a:rPr lang="en-GB" sz="1400" dirty="0"/>
+              <a:t>/user/{</a:t>
+            </a:r>
+            <a:r>
+              <a:rPr lang="en-GB" sz="1400" dirty="0" err="1"/>
+              <a:t>user_id</a:t>
+            </a:r>
+            <a:r>
+              <a:rPr lang="en-GB" sz="1400" dirty="0"/>
+              <a:t>} – User-specific channels handled by </a:t>
+            </a:r>
+            <a:r>
+              <a:rPr lang="en-GB" sz="1400" dirty="0" err="1"/>
+              <a:t>handle_user_socket</a:t>
+            </a:r>
+            <a:r>
+              <a:rPr lang="en-GB" sz="1400" dirty="0"/>
+              <a:t>.</a:t>
+            </a:r>
+          </a:p>
+          <a:p>
+            <a:pPr lvl="1"/>
+            <a:r>
+              <a:rPr lang="en-GB" sz="1400" dirty="0"/>
+              <a:t>/</a:t>
+            </a:r>
+            <a:r>
+              <a:rPr lang="en-GB" sz="1400" dirty="0" err="1"/>
+              <a:t>ws</a:t>
+            </a:r>
+            <a:r>
+              <a:rPr lang="en-GB" sz="1400" dirty="0"/>
+              <a:t>/game/{</a:t>
+            </a:r>
+            <a:r>
+              <a:rPr lang="en-GB" sz="1400" dirty="0" err="1"/>
+              <a:t>user_id</a:t>
+            </a:r>
+            <a:r>
+              <a:rPr lang="en-GB" sz="1400" dirty="0"/>
+              <a:t>}/{</a:t>
+            </a:r>
+            <a:r>
+              <a:rPr lang="en-GB" sz="1400" dirty="0" err="1"/>
+              <a:t>match_id</a:t>
+            </a:r>
+            <a:r>
+              <a:rPr lang="en-GB" sz="1400" dirty="0"/>
+              <a:t>} – Game session communication handled by </a:t>
+            </a:r>
+            <a:r>
+              <a:rPr lang="en-GB" sz="1400" dirty="0" err="1"/>
+              <a:t>handle_match_join</a:t>
+            </a:r>
+            <a:r>
+              <a:rPr lang="en-GB" sz="1400" dirty="0"/>
+              <a:t>.</a:t>
+            </a:r>
+          </a:p>
+          <a:p>
+            <a:r>
+              <a:rPr lang="en-GB" sz="1800" dirty="0"/>
+              <a:t>Ensures instant synchronization of game events, turns, and match updates.</a:t>
+            </a:r>
+            <a:endParaRPr lang="en-US" dirty="0"/>
+          </a:p>
+        </p:txBody>
+      </p:sp>
+    </p:spTree>
+    <p:extLst>
+      <p:ext uri="{BB962C8B-B14F-4D97-AF65-F5344CB8AC3E}">
+        <p14:creationId xmlns:p14="http://schemas.microsoft.com/office/powerpoint/2010/main" val="1458213761"/>
+      </p:ext>
+    </p:extLst>
+  </p:cSld>
+  <p:clrMapOvr>
+    <a:masterClrMapping/>
+  </p:clrMapOvr>
+  <mc:AlternateContent xmlns:mc="http://schemas.openxmlformats.org/markup-compatibility/2006">
+    <mc:Choice xmlns:p14="http://schemas.microsoft.com/office/powerpoint/2010/main" Requires="p14">
+      <p:transition spd="med" p14:dur="700">
+        <p:fade/>
+      </p:transition>
+    </mc:Choice>
+    <mc:Fallback>
+      <p:transition spd="med">
+        <p:fade/>
+      </p:transition>
+    </mc:Fallback>
+  </mc:AlternateContent>
+</p:sld>
+</file>
+
+<file path=ppt/slides/slide16.xml><?xml version="1.0" encoding="utf-8"?>
+<p:sld xmlns:a="http://schemas.openxmlformats.org/drawingml/2006/main" xmlns:r="http://schemas.openxmlformats.org/officeDocument/2006/relationships" xmlns:p="http://schemas.openxmlformats.org/presentationml/2006/main">
+  <p:cSld>
+    <p:spTree>
+      <p:nvGrpSpPr>
+        <p:cNvPr id="1" name="">
+          <a:extLst>
+            <a:ext uri="{FF2B5EF4-FFF2-40B4-BE49-F238E27FC236}">
+              <a16:creationId xmlns:a16="http://schemas.microsoft.com/office/drawing/2014/main" id="{45E5ED5C-4E25-2DBE-9E93-E817B375F60E}"/>
+            </a:ext>
+          </a:extLst>
+        </p:cNvPr>
+        <p:cNvGrpSpPr/>
+        <p:nvPr/>
+      </p:nvGrpSpPr>
+      <p:grpSpPr>
+        <a:xfrm>
+          <a:off x="0" y="0"/>
+          <a:ext cx="0" cy="0"/>
+          <a:chOff x="0" y="0"/>
+          <a:chExt cx="0" cy="0"/>
+        </a:xfrm>
+      </p:grpSpPr>
+      <p:sp>
+        <p:nvSpPr>
+          <p:cNvPr id="7" name="Title 6">
+            <a:extLst>
+              <a:ext uri="{FF2B5EF4-FFF2-40B4-BE49-F238E27FC236}">
+                <a16:creationId xmlns:a16="http://schemas.microsoft.com/office/drawing/2014/main" id="{77D740C4-4811-0BB3-F92A-7A25F3F39173}"/>
+              </a:ext>
+            </a:extLst>
+          </p:cNvPr>
+          <p:cNvSpPr>
+            <a:spLocks noGrp="1"/>
+          </p:cNvSpPr>
+          <p:nvPr>
+            <p:ph type="title"/>
+          </p:nvPr>
+        </p:nvSpPr>
+        <p:spPr/>
+        <p:txBody>
+          <a:bodyPr/>
+          <a:lstStyle/>
+          <a:p>
+            <a:r>
+              <a:rPr lang="en-US" dirty="0"/>
+              <a:t>Security Highlights</a:t>
+            </a:r>
+          </a:p>
+        </p:txBody>
+      </p:sp>
+      <p:sp>
+        <p:nvSpPr>
+          <p:cNvPr id="10" name="Content Placeholder 9">
+            <a:extLst>
+              <a:ext uri="{FF2B5EF4-FFF2-40B4-BE49-F238E27FC236}">
+                <a16:creationId xmlns:a16="http://schemas.microsoft.com/office/drawing/2014/main" id="{F3EBC242-3DF3-4115-4D08-8F05777D4F27}"/>
+              </a:ext>
+            </a:extLst>
+          </p:cNvPr>
+          <p:cNvSpPr>
+            <a:spLocks noGrp="1"/>
+          </p:cNvSpPr>
+          <p:nvPr>
+            <p:ph sz="half" idx="2"/>
+          </p:nvPr>
+        </p:nvSpPr>
+        <p:spPr>
+          <a:xfrm>
+            <a:off x="1218883" y="1844824"/>
+            <a:ext cx="9484041" cy="4327376"/>
+          </a:xfrm>
+        </p:spPr>
+        <p:txBody>
+          <a:bodyPr/>
+          <a:lstStyle/>
+          <a:p>
+            <a:r>
+              <a:rPr lang="en-GB" sz="1800" dirty="0"/>
+              <a:t>Token-Based Authentication</a:t>
+            </a:r>
+          </a:p>
+          <a:p>
+            <a:pPr lvl="1"/>
+            <a:r>
+              <a:rPr lang="en-GB" sz="1400" dirty="0"/>
+              <a:t>All API endpoints and WebSocket routes require valid user tokens.</a:t>
+            </a:r>
+          </a:p>
+          <a:p>
+            <a:pPr lvl="1"/>
+            <a:r>
+              <a:rPr lang="en-GB" sz="1400" dirty="0"/>
+              <a:t>Tokens verified via </a:t>
+            </a:r>
+            <a:r>
+              <a:rPr lang="en-GB" sz="1400" dirty="0" err="1"/>
+              <a:t>verify_user_permission</a:t>
+            </a:r>
+            <a:r>
+              <a:rPr lang="en-GB" sz="1400" dirty="0"/>
+              <a:t> to restrict actions to authenticated users</a:t>
+            </a:r>
+          </a:p>
+          <a:p>
+            <a:r>
+              <a:rPr lang="en-GB" sz="1800" dirty="0"/>
+              <a:t> Authentication Server Communication</a:t>
+            </a:r>
+          </a:p>
+          <a:p>
+            <a:pPr lvl="1"/>
+            <a:r>
+              <a:rPr lang="en-GB" sz="1400" dirty="0"/>
+              <a:t>/match/request and /match/accept APIs are restricted to the Auth Server.</a:t>
+            </a:r>
+          </a:p>
+          <a:p>
+            <a:pPr lvl="1"/>
+            <a:r>
+              <a:rPr lang="en-GB" sz="1400" dirty="0"/>
+              <a:t>Secured with a </a:t>
+            </a:r>
+            <a:r>
+              <a:rPr lang="en-GB" sz="1400" dirty="0" err="1"/>
+              <a:t>websecret</a:t>
+            </a:r>
+            <a:r>
+              <a:rPr lang="en-GB" sz="1400" dirty="0"/>
+              <a:t> key passed via headers.</a:t>
+            </a:r>
+          </a:p>
+          <a:p>
+            <a:pPr lvl="1"/>
+            <a:r>
+              <a:rPr lang="en-GB" sz="1400" dirty="0"/>
+              <a:t>Invalid/missing keys return 403 Forbidden, ensuring only trusted systems trigger match events.</a:t>
+            </a:r>
+          </a:p>
+          <a:p>
+            <a:r>
+              <a:rPr lang="en-GB" sz="1800" dirty="0"/>
+              <a:t>Role-Based Access Control (RBAC)</a:t>
+            </a:r>
+          </a:p>
+          <a:p>
+            <a:r>
+              <a:rPr lang="en-GB" sz="1400" dirty="0"/>
+              <a:t>Enforces strict turn-based logic:</a:t>
+            </a:r>
+          </a:p>
+          <a:p>
+            <a:pPr lvl="1"/>
+            <a:r>
+              <a:rPr lang="en-GB" sz="1000" dirty="0"/>
+              <a:t>Only current player may roll.</a:t>
+            </a:r>
+          </a:p>
+          <a:p>
+            <a:pPr lvl="1"/>
+            <a:r>
+              <a:rPr lang="en-GB" sz="1000" dirty="0"/>
+              <a:t>Only opponent may claim.</a:t>
+            </a:r>
+          </a:p>
+          <a:p>
+            <a:r>
+              <a:rPr lang="en-GB" sz="1400" dirty="0"/>
+              <a:t>Unauthorized attempts are blocked with 403 Forbidden responses.</a:t>
+            </a:r>
+          </a:p>
+        </p:txBody>
+      </p:sp>
+    </p:spTree>
+    <p:extLst>
+      <p:ext uri="{BB962C8B-B14F-4D97-AF65-F5344CB8AC3E}">
+        <p14:creationId xmlns:p14="http://schemas.microsoft.com/office/powerpoint/2010/main" val="1623461345"/>
+      </p:ext>
+    </p:extLst>
+  </p:cSld>
+  <p:clrMapOvr>
+    <a:masterClrMapping/>
+  </p:clrMapOvr>
+  <mc:AlternateContent xmlns:mc="http://schemas.openxmlformats.org/markup-compatibility/2006">
+    <mc:Choice xmlns:p14="http://schemas.microsoft.com/office/powerpoint/2010/main" Requires="p14">
+      <p:transition spd="med" p14:dur="700">
+        <p:fade/>
+      </p:transition>
+    </mc:Choice>
+    <mc:Fallback>
+      <p:transition spd="med">
+        <p:fade/>
+      </p:transition>
+    </mc:Fallback>
+  </mc:AlternateContent>
+</p:sld>
+</file>
+
+<file path=ppt/slides/slide17.xml><?xml version="1.0" encoding="utf-8"?>
+<p:sld xmlns:a="http://schemas.openxmlformats.org/drawingml/2006/main" xmlns:r="http://schemas.openxmlformats.org/officeDocument/2006/relationships" xmlns:p="http://schemas.openxmlformats.org/presentationml/2006/main">
+  <p:cSld>
+    <p:spTree>
+      <p:nvGrpSpPr>
+        <p:cNvPr id="1" name="">
+          <a:extLst>
+            <a:ext uri="{FF2B5EF4-FFF2-40B4-BE49-F238E27FC236}">
+              <a16:creationId xmlns:a16="http://schemas.microsoft.com/office/drawing/2014/main" id="{E9286525-2402-3D5E-C449-805D8E62340F}"/>
+            </a:ext>
+          </a:extLst>
+        </p:cNvPr>
+        <p:cNvGrpSpPr/>
+        <p:nvPr/>
+      </p:nvGrpSpPr>
+      <p:grpSpPr>
+        <a:xfrm>
+          <a:off x="0" y="0"/>
+          <a:ext cx="0" cy="0"/>
+          <a:chOff x="0" y="0"/>
+          <a:chExt cx="0" cy="0"/>
+        </a:xfrm>
+      </p:grpSpPr>
+      <p:sp>
+        <p:nvSpPr>
+          <p:cNvPr id="7" name="Title 6">
+            <a:extLst>
+              <a:ext uri="{FF2B5EF4-FFF2-40B4-BE49-F238E27FC236}">
+                <a16:creationId xmlns:a16="http://schemas.microsoft.com/office/drawing/2014/main" id="{45504BD5-8916-CAEA-912E-6AB965F14BEF}"/>
+              </a:ext>
+            </a:extLst>
+          </p:cNvPr>
+          <p:cNvSpPr>
+            <a:spLocks noGrp="1"/>
+          </p:cNvSpPr>
+          <p:nvPr>
+            <p:ph type="title"/>
+          </p:nvPr>
+        </p:nvSpPr>
+        <p:spPr/>
+        <p:txBody>
+          <a:bodyPr/>
+          <a:lstStyle/>
+          <a:p>
+            <a:r>
+              <a:rPr lang="en-US" dirty="0" err="1"/>
+              <a:t>GameManager</a:t>
+            </a:r>
+            <a:r>
+              <a:rPr lang="en-US" dirty="0"/>
+              <a:t> Class Overview</a:t>
+            </a:r>
+          </a:p>
+        </p:txBody>
+      </p:sp>
+      <p:sp>
+        <p:nvSpPr>
+          <p:cNvPr id="10" name="Content Placeholder 9">
+            <a:extLst>
+              <a:ext uri="{FF2B5EF4-FFF2-40B4-BE49-F238E27FC236}">
+                <a16:creationId xmlns:a16="http://schemas.microsoft.com/office/drawing/2014/main" id="{9C3F9799-18C8-4AEF-3A27-1170A8FCCCF4}"/>
+              </a:ext>
+            </a:extLst>
+          </p:cNvPr>
+          <p:cNvSpPr>
+            <a:spLocks noGrp="1"/>
+          </p:cNvSpPr>
+          <p:nvPr>
+            <p:ph sz="half" idx="2"/>
+          </p:nvPr>
+        </p:nvSpPr>
+        <p:spPr>
+          <a:xfrm>
+            <a:off x="1218883" y="1844824"/>
+            <a:ext cx="9484041" cy="4327376"/>
+          </a:xfrm>
+        </p:spPr>
+        <p:txBody>
+          <a:bodyPr/>
+          <a:lstStyle/>
+          <a:p>
+            <a:r>
+              <a:rPr lang="en-GB" sz="1800" dirty="0"/>
+              <a:t>Game Initialization</a:t>
+            </a:r>
+          </a:p>
+          <a:p>
+            <a:r>
+              <a:rPr lang="en-GB" sz="1800" dirty="0"/>
+              <a:t>Game State Management</a:t>
+            </a:r>
+          </a:p>
+          <a:p>
+            <a:r>
+              <a:rPr lang="en-GB" sz="1800" dirty="0"/>
+              <a:t>Turn Management</a:t>
+            </a:r>
+          </a:p>
+          <a:p>
+            <a:r>
+              <a:rPr lang="en-GB" sz="1800" dirty="0"/>
+              <a:t>Player Interaction</a:t>
+            </a:r>
+          </a:p>
+          <a:p>
+            <a:r>
+              <a:rPr lang="en-GB" sz="1800" dirty="0"/>
+              <a:t>Game Completion</a:t>
+            </a:r>
+          </a:p>
+        </p:txBody>
+      </p:sp>
+    </p:spTree>
+    <p:extLst>
+      <p:ext uri="{BB962C8B-B14F-4D97-AF65-F5344CB8AC3E}">
+        <p14:creationId xmlns:p14="http://schemas.microsoft.com/office/powerpoint/2010/main" val="424393502"/>
+      </p:ext>
+    </p:extLst>
+  </p:cSld>
+  <p:clrMapOvr>
+    <a:masterClrMapping/>
+  </p:clrMapOvr>
+  <mc:AlternateContent xmlns:mc="http://schemas.openxmlformats.org/markup-compatibility/2006">
+    <mc:Choice xmlns:p14="http://schemas.microsoft.com/office/powerpoint/2010/main" Requires="p14">
+      <p:transition spd="med" p14:dur="700">
+        <p:fade/>
+      </p:transition>
+    </mc:Choice>
+    <mc:Fallback>
+      <p:transition spd="med">
+        <p:fade/>
+      </p:transition>
+    </mc:Fallback>
+  </mc:AlternateContent>
+</p:sld>
+</file>
+
+<file path=ppt/slides/slide18.xml><?xml version="1.0" encoding="utf-8"?>
 <p:sld xmlns:a="http://schemas.openxmlformats.org/drawingml/2006/main" xmlns:r="http://schemas.openxmlformats.org/officeDocument/2006/relationships" xmlns:p="http://schemas.openxmlformats.org/presentationml/2006/main">
   <p:cSld>
     <p:spTree>
@@ -6501,13 +7387,13 @@
   <p:clrMapOvr>
     <a:masterClrMapping/>
   </p:clrMapOvr>
-  <mc:AlternateContent xmlns:mc="http://schemas.openxmlformats.org/markup-compatibility/2006">
-    <mc:Choice xmlns:p14="http://schemas.microsoft.com/office/powerpoint/2010/main" Requires="p14">
+  <mc:AlternateContent xmlns:mc="http://schemas.openxmlformats.org/markup-compatibility/2006" xmlns:p14="http://schemas.microsoft.com/office/powerpoint/2010/main">
+    <mc:Choice Requires="p14">
       <p:transition spd="med" p14:dur="700">
         <p:fade/>
       </p:transition>
     </mc:Choice>
-    <mc:Fallback>
+    <mc:Fallback xmlns="">
       <p:transition spd="med">
         <p:fade/>
       </p:transition>
@@ -6516,7 +7402,7 @@
 </p:sld>
 </file>
 
-<file path=ppt/slides/slide15.xml><?xml version="1.0" encoding="utf-8"?>
+<file path=ppt/slides/slide19.xml><?xml version="1.0" encoding="utf-8"?>
 <p:sld xmlns:a="http://schemas.openxmlformats.org/drawingml/2006/main" xmlns:r="http://schemas.openxmlformats.org/officeDocument/2006/relationships" xmlns:p="http://schemas.openxmlformats.org/presentationml/2006/main">
   <p:cSld>
     <p:spTree>
@@ -6720,13 +7606,13 @@
   <p:clrMapOvr>
     <a:masterClrMapping/>
   </p:clrMapOvr>
-  <mc:AlternateContent xmlns:mc="http://schemas.openxmlformats.org/markup-compatibility/2006">
-    <mc:Choice xmlns:p14="http://schemas.microsoft.com/office/powerpoint/2010/main" Requires="p14">
+  <mc:AlternateContent xmlns:mc="http://schemas.openxmlformats.org/markup-compatibility/2006" xmlns:p14="http://schemas.microsoft.com/office/powerpoint/2010/main">
+    <mc:Choice Requires="p14">
       <p:transition spd="med" p14:dur="700">
         <p:fade/>
       </p:transition>
     </mc:Choice>
-    <mc:Fallback>
+    <mc:Fallback xmlns="">
       <p:transition spd="med">
         <p:fade/>
       </p:transition>
@@ -6735,7 +7621,119 @@
 </p:sld>
 </file>
 
-<file path=ppt/slides/slide16.xml><?xml version="1.0" encoding="utf-8"?>
+<file path=ppt/slides/slide2.xml><?xml version="1.0" encoding="utf-8"?>
+<p:sld xmlns:a="http://schemas.openxmlformats.org/drawingml/2006/main" xmlns:r="http://schemas.openxmlformats.org/officeDocument/2006/relationships" xmlns:p="http://schemas.openxmlformats.org/presentationml/2006/main">
+  <p:cSld>
+    <p:spTree>
+      <p:nvGrpSpPr>
+        <p:cNvPr id="1" name=""/>
+        <p:cNvGrpSpPr/>
+        <p:nvPr/>
+      </p:nvGrpSpPr>
+      <p:grpSpPr>
+        <a:xfrm>
+          <a:off x="0" y="0"/>
+          <a:ext cx="0" cy="0"/>
+          <a:chOff x="0" y="0"/>
+          <a:chExt cx="0" cy="0"/>
+        </a:xfrm>
+      </p:grpSpPr>
+      <p:sp>
+        <p:nvSpPr>
+          <p:cNvPr id="13" name="Title 12"/>
+          <p:cNvSpPr>
+            <a:spLocks noGrp="1"/>
+          </p:cNvSpPr>
+          <p:nvPr>
+            <p:ph type="title"/>
+          </p:nvPr>
+        </p:nvSpPr>
+        <p:spPr/>
+        <p:txBody>
+          <a:bodyPr/>
+          <a:lstStyle/>
+          <a:p>
+            <a:r>
+              <a:rPr lang="en-US" dirty="0"/>
+              <a:t>Contents</a:t>
+            </a:r>
+          </a:p>
+        </p:txBody>
+      </p:sp>
+      <p:sp>
+        <p:nvSpPr>
+          <p:cNvPr id="14" name="Content Placeholder 13"/>
+          <p:cNvSpPr>
+            <a:spLocks noGrp="1"/>
+          </p:cNvSpPr>
+          <p:nvPr>
+            <p:ph idx="1"/>
+          </p:nvPr>
+        </p:nvSpPr>
+        <p:spPr>
+          <a:xfrm>
+            <a:off x="1218883" y="2420887"/>
+            <a:ext cx="10360501" cy="3743181"/>
+          </a:xfrm>
+        </p:spPr>
+        <p:txBody>
+          <a:bodyPr/>
+          <a:lstStyle/>
+          <a:p>
+            <a:r>
+              <a:rPr lang="en-US" dirty="0"/>
+              <a:t>Demo of Bluff Game</a:t>
+            </a:r>
+          </a:p>
+          <a:p>
+            <a:r>
+              <a:rPr lang="en-US" dirty="0"/>
+              <a:t>Security Aspects Considered in Authentication Server</a:t>
+            </a:r>
+          </a:p>
+          <a:p>
+            <a:r>
+              <a:rPr lang="en-US" dirty="0"/>
+              <a:t>Security Aspects Considered in Game Engine</a:t>
+            </a:r>
+          </a:p>
+          <a:p>
+            <a:r>
+              <a:rPr lang="en-US" dirty="0"/>
+              <a:t>Security Aspects Considered in Game Client</a:t>
+            </a:r>
+          </a:p>
+          <a:p>
+            <a:endParaRPr lang="en-US" dirty="0"/>
+          </a:p>
+        </p:txBody>
+      </p:sp>
+    </p:spTree>
+    <p:extLst>
+      <p:ext uri="{BB962C8B-B14F-4D97-AF65-F5344CB8AC3E}">
+        <p14:creationId xmlns:p14="http://schemas.microsoft.com/office/powerpoint/2010/main" val="3529114326"/>
+      </p:ext>
+    </p:extLst>
+  </p:cSld>
+  <p:clrMapOvr>
+    <a:masterClrMapping/>
+  </p:clrMapOvr>
+  <mc:AlternateContent xmlns:mc="http://schemas.openxmlformats.org/markup-compatibility/2006" xmlns:p14="http://schemas.microsoft.com/office/powerpoint/2010/main">
+    <mc:Choice Requires="p14">
+      <p:transition spd="med" p14:dur="700">
+        <p:fade/>
+      </p:transition>
+    </mc:Choice>
+    <mc:Fallback xmlns="">
+      <p:transition spd="med">
+        <p:fade/>
+      </p:transition>
+    </mc:Fallback>
+  </mc:AlternateContent>
+</p:sld>
+</file>
+
+<file path=ppt/slides/slide20.xml><?xml version="1.0" encoding="utf-8"?>
 <p:sld xmlns:a="http://schemas.openxmlformats.org/drawingml/2006/main" xmlns:r="http://schemas.openxmlformats.org/officeDocument/2006/relationships" xmlns:p="http://schemas.openxmlformats.org/presentationml/2006/main">
   <p:cSld>
     <p:spTree>
@@ -6920,13 +7918,13 @@
   <p:clrMapOvr>
     <a:masterClrMapping/>
   </p:clrMapOvr>
-  <mc:AlternateContent xmlns:mc="http://schemas.openxmlformats.org/markup-compatibility/2006">
-    <mc:Choice xmlns:p14="http://schemas.microsoft.com/office/powerpoint/2010/main" Requires="p14">
+  <mc:AlternateContent xmlns:mc="http://schemas.openxmlformats.org/markup-compatibility/2006" xmlns:p14="http://schemas.microsoft.com/office/powerpoint/2010/main">
+    <mc:Choice Requires="p14">
       <p:transition spd="med" p14:dur="700">
         <p:fade/>
       </p:transition>
     </mc:Choice>
-    <mc:Fallback>
+    <mc:Fallback xmlns="">
       <p:transition spd="med">
         <p:fade/>
       </p:transition>
@@ -6935,7 +7933,7 @@
 </p:sld>
 </file>
 
-<file path=ppt/slides/slide17.xml><?xml version="1.0" encoding="utf-8"?>
+<file path=ppt/slides/slide21.xml><?xml version="1.0" encoding="utf-8"?>
 <p:sld xmlns:a="http://schemas.openxmlformats.org/drawingml/2006/main" xmlns:r="http://schemas.openxmlformats.org/officeDocument/2006/relationships" xmlns:p="http://schemas.openxmlformats.org/presentationml/2006/main">
   <p:cSld>
     <p:spTree>
@@ -7088,13 +8086,13 @@
   <p:clrMapOvr>
     <a:masterClrMapping/>
   </p:clrMapOvr>
-  <mc:AlternateContent xmlns:mc="http://schemas.openxmlformats.org/markup-compatibility/2006">
-    <mc:Choice xmlns:p14="http://schemas.microsoft.com/office/powerpoint/2010/main" Requires="p14">
+  <mc:AlternateContent xmlns:mc="http://schemas.openxmlformats.org/markup-compatibility/2006" xmlns:p14="http://schemas.microsoft.com/office/powerpoint/2010/main">
+    <mc:Choice Requires="p14">
       <p:transition spd="med" p14:dur="700">
         <p:fade/>
       </p:transition>
     </mc:Choice>
-    <mc:Fallback>
+    <mc:Fallback xmlns="">
       <p:transition spd="med">
         <p:fade/>
       </p:transition>
@@ -7103,7 +8101,7 @@
 </p:sld>
 </file>
 
-<file path=ppt/slides/slide18.xml><?xml version="1.0" encoding="utf-8"?>
+<file path=ppt/slides/slide22.xml><?xml version="1.0" encoding="utf-8"?>
 <p:sld xmlns:a="http://schemas.openxmlformats.org/drawingml/2006/main" xmlns:r="http://schemas.openxmlformats.org/officeDocument/2006/relationships" xmlns:p="http://schemas.openxmlformats.org/presentationml/2006/main">
   <p:cSld>
     <p:spTree>
@@ -7256,13 +8254,13 @@
   <p:clrMapOvr>
     <a:masterClrMapping/>
   </p:clrMapOvr>
-  <mc:AlternateContent xmlns:mc="http://schemas.openxmlformats.org/markup-compatibility/2006">
-    <mc:Choice xmlns:p14="http://schemas.microsoft.com/office/powerpoint/2010/main" Requires="p14">
+  <mc:AlternateContent xmlns:mc="http://schemas.openxmlformats.org/markup-compatibility/2006" xmlns:p14="http://schemas.microsoft.com/office/powerpoint/2010/main">
+    <mc:Choice Requires="p14">
       <p:transition spd="med" p14:dur="700">
         <p:fade/>
       </p:transition>
     </mc:Choice>
-    <mc:Fallback>
+    <mc:Fallback xmlns="">
       <p:transition spd="med">
         <p:fade/>
       </p:transition>
@@ -7271,7 +8269,7 @@
 </p:sld>
 </file>
 
-<file path=ppt/slides/slide19.xml><?xml version="1.0" encoding="utf-8"?>
+<file path=ppt/slides/slide23.xml><?xml version="1.0" encoding="utf-8"?>
 <p:sld xmlns:a="http://schemas.openxmlformats.org/drawingml/2006/main" xmlns:r="http://schemas.openxmlformats.org/officeDocument/2006/relationships" xmlns:p="http://schemas.openxmlformats.org/presentationml/2006/main">
   <p:cSld>
     <p:spTree>
@@ -7416,13 +8414,13 @@
   <p:clrMapOvr>
     <a:masterClrMapping/>
   </p:clrMapOvr>
-  <mc:AlternateContent xmlns:mc="http://schemas.openxmlformats.org/markup-compatibility/2006">
-    <mc:Choice xmlns:p14="http://schemas.microsoft.com/office/powerpoint/2010/main" Requires="p14">
+  <mc:AlternateContent xmlns:mc="http://schemas.openxmlformats.org/markup-compatibility/2006" xmlns:p14="http://schemas.microsoft.com/office/powerpoint/2010/main">
+    <mc:Choice Requires="p14">
       <p:transition spd="med" p14:dur="700">
         <p:fade/>
       </p:transition>
     </mc:Choice>
-    <mc:Fallback>
+    <mc:Fallback xmlns="">
       <p:transition spd="med">
         <p:fade/>
       </p:transition>
@@ -7431,7 +8429,7 @@
 </p:sld>
 </file>
 
-<file path=ppt/slides/slide2.xml><?xml version="1.0" encoding="utf-8"?>
+<file path=ppt/slides/slide24.xml><?xml version="1.0" encoding="utf-8"?>
 <p:sld xmlns:a="http://schemas.openxmlformats.org/drawingml/2006/main" xmlns:r="http://schemas.openxmlformats.org/officeDocument/2006/relationships" xmlns:p="http://schemas.openxmlformats.org/presentationml/2006/main">
   <p:cSld>
     <p:spTree>
@@ -7450,180 +8448,45 @@
       </p:grpSpPr>
       <p:sp>
         <p:nvSpPr>
-          <p:cNvPr id="13" name="Title 12"/>
-          <p:cNvSpPr>
-            <a:spLocks noGrp="1"/>
-          </p:cNvSpPr>
-          <p:nvPr>
-            <p:ph type="title"/>
-          </p:nvPr>
-        </p:nvSpPr>
-        <p:spPr/>
-        <p:txBody>
-          <a:bodyPr/>
-          <a:lstStyle/>
-          <a:p>
-            <a:r>
-              <a:rPr lang="en-US" dirty="0"/>
-              <a:t>Contents</a:t>
-            </a:r>
-          </a:p>
-        </p:txBody>
-      </p:sp>
-      <p:sp>
-        <p:nvSpPr>
-          <p:cNvPr id="14" name="Content Placeholder 13"/>
-          <p:cNvSpPr>
-            <a:spLocks noGrp="1"/>
-          </p:cNvSpPr>
-          <p:nvPr>
-            <p:ph idx="1"/>
-          </p:nvPr>
+          <p:cNvPr id="7" name="TextBox 6">
+            <a:extLst>
+              <a:ext uri="{FF2B5EF4-FFF2-40B4-BE49-F238E27FC236}">
+                <a16:creationId xmlns:a16="http://schemas.microsoft.com/office/drawing/2014/main" id="{364ACB7E-630E-BBDB-05D9-0B78B54F760F}"/>
+              </a:ext>
+            </a:extLst>
+          </p:cNvPr>
+          <p:cNvSpPr txBox="1"/>
+          <p:nvPr/>
         </p:nvSpPr>
         <p:spPr>
           <a:xfrm>
-            <a:off x="1218883" y="2420887"/>
-            <a:ext cx="10360501" cy="3743181"/>
+            <a:off x="1" y="2852936"/>
+            <a:ext cx="12188824" cy="1015663"/>
           </a:xfrm>
+          <a:prstGeom prst="rect">
+            <a:avLst/>
+          </a:prstGeom>
+          <a:noFill/>
         </p:spPr>
         <p:txBody>
-          <a:bodyPr/>
+          <a:bodyPr wrap="square" rtlCol="0">
+            <a:spAutoFit/>
+          </a:bodyPr>
           <a:lstStyle/>
           <a:p>
-            <a:r>
-              <a:rPr lang="en-US" dirty="0"/>
-              <a:t>Demo of Bluff Game</a:t>
-            </a:r>
-          </a:p>
-          <a:p>
-            <a:r>
-              <a:rPr lang="en-US" dirty="0"/>
-              <a:t>Security Aspects Considered in Authentication Server</a:t>
-            </a:r>
-          </a:p>
-          <a:p>
-            <a:r>
-              <a:rPr lang="en-US" dirty="0"/>
-              <a:t>Security Aspects Considered in Game Engine</a:t>
-            </a:r>
-          </a:p>
-          <a:p>
-            <a:r>
-              <a:rPr lang="en-US" dirty="0"/>
-              <a:t>Security Aspects Considered in Game Client</a:t>
-            </a:r>
-          </a:p>
-          <a:p>
-            <a:endParaRPr lang="en-US" dirty="0"/>
+            <a:pPr algn="ctr"/>
+            <a:r>
+              <a:rPr lang="en-GB" sz="6000" dirty="0"/>
+              <a:t>Thank You</a:t>
+            </a:r>
+            <a:endParaRPr lang="en-US" sz="6000" dirty="0"/>
           </a:p>
         </p:txBody>
       </p:sp>
     </p:spTree>
     <p:extLst>
       <p:ext uri="{BB962C8B-B14F-4D97-AF65-F5344CB8AC3E}">
-        <p14:creationId xmlns:p14="http://schemas.microsoft.com/office/powerpoint/2010/main" val="3529114326"/>
-      </p:ext>
-    </p:extLst>
-  </p:cSld>
-  <p:clrMapOvr>
-    <a:masterClrMapping/>
-  </p:clrMapOvr>
-  <mc:AlternateContent xmlns:mc="http://schemas.openxmlformats.org/markup-compatibility/2006" xmlns:p14="http://schemas.microsoft.com/office/powerpoint/2010/main">
-    <mc:Choice Requires="p14">
-      <p:transition spd="med" p14:dur="700">
-        <p:fade/>
-      </p:transition>
-    </mc:Choice>
-    <mc:Fallback xmlns="">
-      <p:transition spd="med">
-        <p:fade/>
-      </p:transition>
-    </mc:Fallback>
-  </mc:AlternateContent>
-</p:sld>
-</file>
-
-<file path=ppt/slides/slide20.xml><?xml version="1.0" encoding="utf-8"?>
-<p:sld xmlns:a="http://schemas.openxmlformats.org/drawingml/2006/main" xmlns:r="http://schemas.openxmlformats.org/officeDocument/2006/relationships" xmlns:p="http://schemas.openxmlformats.org/presentationml/2006/main">
-  <p:cSld>
-    <p:spTree>
-      <p:nvGrpSpPr>
-        <p:cNvPr id="1" name=""/>
-        <p:cNvGrpSpPr/>
-        <p:nvPr/>
-      </p:nvGrpSpPr>
-      <p:grpSpPr>
-        <a:xfrm>
-          <a:off x="0" y="0"/>
-          <a:ext cx="0" cy="0"/>
-          <a:chOff x="0" y="0"/>
-          <a:chExt cx="0" cy="0"/>
-        </a:xfrm>
-      </p:grpSpPr>
-      <p:sp>
-        <p:nvSpPr>
-          <p:cNvPr id="2" name="Title 1"/>
-          <p:cNvSpPr>
-            <a:spLocks noGrp="1"/>
-          </p:cNvSpPr>
-          <p:nvPr>
-            <p:ph type="title"/>
-          </p:nvPr>
-        </p:nvSpPr>
-        <p:spPr/>
-        <p:txBody>
-          <a:bodyPr/>
-          <a:lstStyle/>
-          <a:p>
-            <a:r>
-              <a:rPr lang="en-US" dirty="0"/>
-              <a:t>Add a Slide Title - 4</a:t>
-            </a:r>
-          </a:p>
-        </p:txBody>
-      </p:sp>
-      <p:sp>
-        <p:nvSpPr>
-          <p:cNvPr id="4" name="Text Placeholder 3"/>
-          <p:cNvSpPr>
-            <a:spLocks noGrp="1"/>
-          </p:cNvSpPr>
-          <p:nvPr>
-            <p:ph type="body" sz="half" idx="2"/>
-          </p:nvPr>
-        </p:nvSpPr>
-        <p:spPr/>
-        <p:txBody>
-          <a:bodyPr/>
-          <a:lstStyle/>
-          <a:p>
-            <a:endParaRPr lang="en-US" dirty="0"/>
-          </a:p>
-        </p:txBody>
-      </p:sp>
-      <p:sp>
-        <p:nvSpPr>
-          <p:cNvPr id="3" name="Content Placeholder 2"/>
-          <p:cNvSpPr>
-            <a:spLocks noGrp="1"/>
-          </p:cNvSpPr>
-          <p:nvPr>
-            <p:ph idx="1"/>
-          </p:nvPr>
-        </p:nvSpPr>
-        <p:spPr/>
-        <p:txBody>
-          <a:bodyPr/>
-          <a:lstStyle/>
-          <a:p>
-            <a:endParaRPr lang="en-US" dirty="0"/>
-          </a:p>
-        </p:txBody>
-      </p:sp>
-    </p:spTree>
-    <p:extLst>
-      <p:ext uri="{BB962C8B-B14F-4D97-AF65-F5344CB8AC3E}">
-        <p14:creationId xmlns:p14="http://schemas.microsoft.com/office/powerpoint/2010/main" val="2319046984"/>
+        <p14:creationId xmlns:p14="http://schemas.microsoft.com/office/powerpoint/2010/main" val="1504695426"/>
       </p:ext>
     </p:extLst>
   </p:cSld>
@@ -12739,6 +13602,15 @@
 </file>
 
 <file path=customXml/item2.xml><?xml version="1.0" encoding="utf-8"?>
+<?mso-contentType ?>
+<FormTemplates xmlns="http://schemas.microsoft.com/sharepoint/v3/contenttype/forms">
+  <Display>DocumentLibraryForm</Display>
+  <Edit>AssetEditForm</Edit>
+  <New>DocumentLibraryForm</New>
+</FormTemplates>
+</file>
+
+<file path=customXml/item3.xml><?xml version="1.0" encoding="utf-8"?>
 <p:properties xmlns:p="http://schemas.microsoft.com/office/2006/metadata/properties" xmlns:xsi="http://www.w3.org/2001/XMLSchema-instance" xmlns:pc="http://schemas.microsoft.com/office/infopath/2007/PartnerControls">
   <documentManagement>
     <LocPublishedLinkedAssetsLookup xmlns="4873beb7-5857-4685-be1f-d57550cc96cc" xsi:nil="true"/>
@@ -12874,15 +13746,6 @@
 </p:properties>
 </file>
 
-<file path=customXml/item3.xml><?xml version="1.0" encoding="utf-8"?>
-<?mso-contentType ?>
-<FormTemplates xmlns="http://schemas.microsoft.com/sharepoint/v3/contenttype/forms">
-  <Display>DocumentLibraryForm</Display>
-  <Edit>AssetEditForm</Edit>
-  <New>DocumentLibraryForm</New>
-</FormTemplates>
-</file>
-
 <file path=customXml/itemProps1.xml><?xml version="1.0" encoding="utf-8"?>
 <ds:datastoreItem xmlns:ds="http://schemas.openxmlformats.org/officeDocument/2006/customXml" ds:itemID="{A09BF4D4-EF60-4196-BFC3-9462D607978C}">
   <ds:schemaRefs>
@@ -12902,6 +13765,14 @@
 </file>
 
 <file path=customXml/itemProps2.xml><?xml version="1.0" encoding="utf-8"?>
+<ds:datastoreItem xmlns:ds="http://schemas.openxmlformats.org/officeDocument/2006/customXml" ds:itemID="{3836F65B-1B07-41EE-A0E8-BC6EF3855225}">
+  <ds:schemaRefs>
+    <ds:schemaRef ds:uri="http://schemas.microsoft.com/sharepoint/v3/contenttype/forms"/>
+  </ds:schemaRefs>
+</ds:datastoreItem>
+</file>
+
+<file path=customXml/itemProps3.xml><?xml version="1.0" encoding="utf-8"?>
 <ds:datastoreItem xmlns:ds="http://schemas.openxmlformats.org/officeDocument/2006/customXml" ds:itemID="{60C67BEE-D13F-4BD2-98A5-34D8A0977F68}">
   <ds:schemaRefs>
     <ds:schemaRef ds:uri="4873beb7-5857-4685-be1f-d57550cc96cc"/>
@@ -12915,12 +13786,4 @@
     <ds:schemaRef ds:uri="http://purl.org/dc/dcmitype/"/>
   </ds:schemaRefs>
 </ds:datastoreItem>
-</file>
-
-<file path=customXml/itemProps3.xml><?xml version="1.0" encoding="utf-8"?>
-<ds:datastoreItem xmlns:ds="http://schemas.openxmlformats.org/officeDocument/2006/customXml" ds:itemID="{3836F65B-1B07-41EE-A0E8-BC6EF3855225}">
-  <ds:schemaRefs>
-    <ds:schemaRef ds:uri="http://schemas.microsoft.com/sharepoint/v3/contenttype/forms"/>
-  </ds:schemaRefs>
-</ds:datastoreItem>
 </file>